--- a/reports/ppt/jsszyypptxgen.pptx
+++ b/reports/ppt/jsszyypptxgen.pptx
@@ -144,7 +144,7 @@
 </p:presentation>
 </file>
 
-<file path=ppt/charts/chart334.xml><?xml version="1.0" encoding="utf-8"?>
+<file path=ppt/charts/chart1.xml><?xml version="1.0" encoding="utf-8"?>
 <c:chartSpace xmlns:c="http://schemas.openxmlformats.org/drawingml/2006/chart" xmlns:a="http://schemas.openxmlformats.org/drawingml/2006/main" xmlns:r="http://schemas.openxmlformats.org/officeDocument/2006/relationships">
   <c:date1904 val="0"/>
   <c:chart>
@@ -430,7 +430,7 @@
 </c:chartSpace>
 </file>
 
-<file path=ppt/charts/chart335.xml><?xml version="1.0" encoding="utf-8"?>
+<file path=ppt/charts/chart10.xml><?xml version="1.0" encoding="utf-8"?>
 <c:chartSpace xmlns:c="http://schemas.openxmlformats.org/drawingml/2006/chart" xmlns:a="http://schemas.openxmlformats.org/drawingml/2006/main" xmlns:r="http://schemas.openxmlformats.org/officeDocument/2006/relationships">
   <c:date1904 val="0"/>
   <c:chart>
@@ -449,7 +449,7 @@
               <c:strCache>
                 <c:ptCount val="1"/>
                 <c:pt idx="0">
-                  <c:v>耳鼻喉科</c:v>
+                  <c:v>呼吸内科</c:v>
                 </c:pt>
               </c:strCache>
             </c:strRef>
@@ -529,40 +529,40 @@
                 <c:formatCode>General</c:formatCode>
                 <c:ptCount val="12"/>
                 <c:pt idx="0">
-                  <c:v>0.534439834024896</c:v>
+                  <c:v>0.16701244813278</c:v>
                 </c:pt>
                 <c:pt idx="1">
-                  <c:v>0.301587301587302</c:v>
+                  <c:v>0.618055555555556</c:v>
                 </c:pt>
                 <c:pt idx="2">
+                  <c:v>0.787234042553191</c:v>
+                </c:pt>
+                <c:pt idx="3">
+                  <c:v>0.375</c:v>
+                </c:pt>
+                <c:pt idx="4">
+                  <c:v>0.705426356589147</c:v>
+                </c:pt>
+                <c:pt idx="5">
                   <c:v>1</c:v>
                 </c:pt>
-                <c:pt idx="3">
-                  <c:v>0.25</c:v>
-                </c:pt>
-                <c:pt idx="4">
-                  <c:v>0.879715762273902</c:v>
-                </c:pt>
-                <c:pt idx="5">
-                  <c:v>0.917159229927242</c:v>
-                </c:pt>
                 <c:pt idx="6">
-                  <c:v>0.233163723436097</c:v>
+                  <c:v>0.488106695460983</c:v>
                 </c:pt>
                 <c:pt idx="7">
-                  <c:v>0.740821250787992</c:v>
+                  <c:v>0.0196391644490209</c:v>
                 </c:pt>
                 <c:pt idx="8">
-                  <c:v>0.186727890856108</c:v>
+                  <c:v>0.666300940438872</c:v>
                 </c:pt>
                 <c:pt idx="9">
-                  <c:v>0.999047619047619</c:v>
+                  <c:v>0.999901587301587</c:v>
                 </c:pt>
                 <c:pt idx="10">
-                  <c:v>0.923810456076809</c:v>
+                  <c:v>0.516009235322229</c:v>
                 </c:pt>
                 <c:pt idx="11">
-                  <c:v>0.993290909090909</c:v>
+                  <c:v>0.928343551474464</c:v>
                 </c:pt>
               </c:numCache>
             </c:numRef>
@@ -716,7 +716,7 @@
 </c:chartSpace>
 </file>
 
-<file path=ppt/charts/chart336.xml><?xml version="1.0" encoding="utf-8"?>
+<file path=ppt/charts/chart11.xml><?xml version="1.0" encoding="utf-8"?>
 <c:chartSpace xmlns:c="http://schemas.openxmlformats.org/drawingml/2006/chart" xmlns:a="http://schemas.openxmlformats.org/drawingml/2006/main" xmlns:r="http://schemas.openxmlformats.org/officeDocument/2006/relationships">
   <c:date1904 val="0"/>
   <c:chart>
@@ -735,7 +735,7 @@
               <c:strCache>
                 <c:ptCount val="1"/>
                 <c:pt idx="0">
-                  <c:v>放疗科</c:v>
+                  <c:v>急诊科</c:v>
                 </c:pt>
               </c:strCache>
             </c:strRef>
@@ -815,40 +815,40 @@
                 <c:formatCode>General</c:formatCode>
                 <c:ptCount val="12"/>
                 <c:pt idx="0">
-                  <c:v>0.193637621023513</c:v>
+                  <c:v>0.0580912863070539</c:v>
                 </c:pt>
                 <c:pt idx="1">
-                  <c:v>0.592592592592593</c:v>
+                  <c:v>0</c:v>
                 </c:pt>
                 <c:pt idx="2">
-                  <c:v>0.565217391304348</c:v>
+                  <c:v>0.495327102803738</c:v>
                 </c:pt>
                 <c:pt idx="3">
-                  <c:v>0</c:v>
+                  <c:v>0.125</c:v>
                 </c:pt>
                 <c:pt idx="4">
-                  <c:v>0.907945736434109</c:v>
+                  <c:v>0.833853280393269</c:v>
                 </c:pt>
                 <c:pt idx="5">
-                  <c:v>0.761483484643616</c:v>
+                  <c:v>0.216718412113617</c:v>
                 </c:pt>
                 <c:pt idx="6">
-                  <c:v>0.532343188080893</c:v>
+                  <c:v>0.940379585540876</c:v>
                 </c:pt>
                 <c:pt idx="7">
-                  <c:v>0.0801050157218305</c:v>
+                  <c:v>0.0112218904794144</c:v>
                 </c:pt>
                 <c:pt idx="8">
-                  <c:v>0.475036317761297</c:v>
+                  <c:v>0.256269592476489</c:v>
                 </c:pt>
                 <c:pt idx="9">
-                  <c:v>0.975238095238095</c:v>
+                  <c:v>0.97047619047619</c:v>
                 </c:pt>
                 <c:pt idx="10">
-                  <c:v>0.438258239681067</c:v>
+                  <c:v>0.28556858745538</c:v>
                 </c:pt>
                 <c:pt idx="11">
-                  <c:v>0.938897168405365</c:v>
+                  <c:v>0.931758738210351</c:v>
                 </c:pt>
               </c:numCache>
             </c:numRef>
@@ -1002,7 +1002,7 @@
 </c:chartSpace>
 </file>
 
-<file path=ppt/charts/chart337.xml><?xml version="1.0" encoding="utf-8"?>
+<file path=ppt/charts/chart12.xml><?xml version="1.0" encoding="utf-8"?>
 <c:chartSpace xmlns:c="http://schemas.openxmlformats.org/drawingml/2006/chart" xmlns:a="http://schemas.openxmlformats.org/drawingml/2006/main" xmlns:r="http://schemas.openxmlformats.org/officeDocument/2006/relationships">
   <c:date1904 val="0"/>
   <c:chart>
@@ -1021,7 +1021,7 @@
               <c:strCache>
                 <c:ptCount val="1"/>
                 <c:pt idx="0">
-                  <c:v>风湿科</c:v>
+                  <c:v>口腔科</c:v>
                 </c:pt>
               </c:strCache>
             </c:strRef>
@@ -1101,40 +1101,40 @@
                 <c:formatCode>General</c:formatCode>
                 <c:ptCount val="12"/>
                 <c:pt idx="0">
-                  <c:v>0.619640387275242</c:v>
+                  <c:v>0.15103734439834</c:v>
                 </c:pt>
                 <c:pt idx="1">
-                  <c:v>1</c:v>
+                  <c:v>0.111111111111111</c:v>
                 </c:pt>
                 <c:pt idx="2">
                   <c:v>1</c:v>
                 </c:pt>
                 <c:pt idx="3">
-                  <c:v>0.625</c:v>
+                  <c:v>0</c:v>
                 </c:pt>
                 <c:pt idx="4">
-                  <c:v>0.78937984496124</c:v>
+                  <c:v>0.484496124031008</c:v>
                 </c:pt>
                 <c:pt idx="5">
-                  <c:v>0.883986864979718</c:v>
+                  <c:v>0.809349043847788</c:v>
                 </c:pt>
                 <c:pt idx="6">
-                  <c:v>0.516397138699297</c:v>
+                  <c:v>0.41</c:v>
                 </c:pt>
                 <c:pt idx="7">
-                  <c:v>0.00600190238870356</c:v>
+                  <c:v>0</c:v>
                 </c:pt>
                 <c:pt idx="8">
                   <c:v>0</c:v>
                 </c:pt>
                 <c:pt idx="9">
-                  <c:v>0.972063492063492</c:v>
+                  <c:v>1</c:v>
                 </c:pt>
                 <c:pt idx="10">
-                  <c:v>0.809827609610425</c:v>
+                  <c:v>0.706289308176101</c:v>
                 </c:pt>
                 <c:pt idx="11">
-                  <c:v>0.964246784390669</c:v>
+                  <c:v>0.948563636363636</c:v>
                 </c:pt>
               </c:numCache>
             </c:numRef>
@@ -1288,7 +1288,7 @@
 </c:chartSpace>
 </file>
 
-<file path=ppt/charts/chart338.xml><?xml version="1.0" encoding="utf-8"?>
+<file path=ppt/charts/chart13.xml><?xml version="1.0" encoding="utf-8"?>
 <c:chartSpace xmlns:c="http://schemas.openxmlformats.org/drawingml/2006/chart" xmlns:a="http://schemas.openxmlformats.org/drawingml/2006/main" xmlns:r="http://schemas.openxmlformats.org/officeDocument/2006/relationships">
   <c:date1904 val="0"/>
   <c:chart>
@@ -1307,7 +1307,7 @@
               <c:strCache>
                 <c:ptCount val="1"/>
                 <c:pt idx="0">
-                  <c:v>妇科</c:v>
+                  <c:v>老年医学科</c:v>
                 </c:pt>
               </c:strCache>
             </c:strRef>
@@ -1387,40 +1387,40 @@
                 <c:formatCode>General</c:formatCode>
                 <c:ptCount val="12"/>
                 <c:pt idx="0">
-                  <c:v>0.377593360995851</c:v>
+                  <c:v>0.601118527872993</c:v>
                 </c:pt>
                 <c:pt idx="1">
-                  <c:v>0.490740740740741</c:v>
+                  <c:v>0.611111111111111</c:v>
                 </c:pt>
                 <c:pt idx="2">
-                  <c:v>0.692307692307692</c:v>
+                  <c:v>0.44</c:v>
                 </c:pt>
                 <c:pt idx="3">
-                  <c:v>1</c:v>
+                  <c:v>0.25</c:v>
                 </c:pt>
                 <c:pt idx="4">
-                  <c:v>0.83172480620155</c:v>
+                  <c:v>0.795025839793282</c:v>
                 </c:pt>
                 <c:pt idx="5">
-                  <c:v>0.954892795055051</c:v>
+                  <c:v>0.964844504539308</c:v>
                 </c:pt>
                 <c:pt idx="6">
-                  <c:v>0.425274288683109</c:v>
+                  <c:v>0.56451655982906</c:v>
                 </c:pt>
                 <c:pt idx="7">
-                  <c:v>0.694713712120708</c:v>
+                  <c:v>0</c:v>
                 </c:pt>
                 <c:pt idx="8">
-                  <c:v>0.219201521131896</c:v>
+                  <c:v>0</c:v>
                 </c:pt>
                 <c:pt idx="9">
-                  <c:v>0.972063492063492</c:v>
+                  <c:v>0.922222222222222</c:v>
                 </c:pt>
                 <c:pt idx="10">
-                  <c:v>0.809827609610425</c:v>
+                  <c:v>0.305496593291405</c:v>
                 </c:pt>
                 <c:pt idx="11">
-                  <c:v>0.852428602572488</c:v>
+                  <c:v>0.988818181818182</c:v>
                 </c:pt>
               </c:numCache>
             </c:numRef>
@@ -1574,7 +1574,7 @@
 </c:chartSpace>
 </file>
 
-<file path=ppt/charts/chart339.xml><?xml version="1.0" encoding="utf-8"?>
+<file path=ppt/charts/chart14.xml><?xml version="1.0" encoding="utf-8"?>
 <c:chartSpace xmlns:c="http://schemas.openxmlformats.org/drawingml/2006/chart" xmlns:a="http://schemas.openxmlformats.org/drawingml/2006/main" xmlns:r="http://schemas.openxmlformats.org/officeDocument/2006/relationships">
   <c:date1904 val="0"/>
   <c:chart>
@@ -1593,7 +1593,7 @@
               <c:strCache>
                 <c:ptCount val="1"/>
                 <c:pt idx="0">
-                  <c:v>生殖医学科</c:v>
+                  <c:v>麻醉科</c:v>
                 </c:pt>
               </c:strCache>
             </c:strRef>
@@ -1673,40 +1673,40 @@
                 <c:formatCode>General</c:formatCode>
                 <c:ptCount val="12"/>
                 <c:pt idx="0">
-                  <c:v>0.331462045399072</c:v>
+                  <c:v>0.00726141078838172</c:v>
                 </c:pt>
                 <c:pt idx="1">
-                  <c:v>0.640522875816994</c:v>
+                  <c:v>0.0833333333333333</c:v>
                 </c:pt>
                 <c:pt idx="2">
-                  <c:v>1</c:v>
+                  <c:v>0.822784810126582</c:v>
                 </c:pt>
                 <c:pt idx="3">
                   <c:v>0.125</c:v>
                 </c:pt>
                 <c:pt idx="4">
-                  <c:v>0.715654608096469</c:v>
+                  <c:v>0.484496124031008</c:v>
                 </c:pt>
                 <c:pt idx="5">
-                  <c:v>0.954478140493207</c:v>
+                  <c:v>0.809349043847788</c:v>
                 </c:pt>
                 <c:pt idx="6">
+                  <c:v>0.41</c:v>
+                </c:pt>
+                <c:pt idx="7">
                   <c:v>0</c:v>
                 </c:pt>
-                <c:pt idx="7">
-                  <c:v>0.694713712120708</c:v>
-                </c:pt>
                 <c:pt idx="8">
-                  <c:v>0.102594414555621</c:v>
+                  <c:v>0</c:v>
                 </c:pt>
                 <c:pt idx="9">
-                  <c:v>0.972063492063492</c:v>
+                  <c:v>1</c:v>
                 </c:pt>
                 <c:pt idx="10">
-                  <c:v>0.809827609610425</c:v>
+                  <c:v>0.706289308176101</c:v>
                 </c:pt>
                 <c:pt idx="11">
-                  <c:v>0.740610420754306</c:v>
+                  <c:v>0.948563636363636</c:v>
                 </c:pt>
               </c:numCache>
             </c:numRef>
@@ -1860,7 +1860,7 @@
 </c:chartSpace>
 </file>
 
-<file path=ppt/charts/chart340.xml><?xml version="1.0" encoding="utf-8"?>
+<file path=ppt/charts/chart15.xml><?xml version="1.0" encoding="utf-8"?>
 <c:chartSpace xmlns:c="http://schemas.openxmlformats.org/drawingml/2006/chart" xmlns:a="http://schemas.openxmlformats.org/drawingml/2006/main" xmlns:r="http://schemas.openxmlformats.org/officeDocument/2006/relationships">
   <c:date1904 val="0"/>
   <c:chart>
@@ -1879,7 +1879,7 @@
               <c:strCache>
                 <c:ptCount val="1"/>
                 <c:pt idx="0">
-                  <c:v>感染科</c:v>
+                  <c:v>泌尿外科</c:v>
                 </c:pt>
               </c:strCache>
             </c:strRef>
@@ -1959,40 +1959,40 @@
                 <c:formatCode>General</c:formatCode>
                 <c:ptCount val="12"/>
                 <c:pt idx="0">
-                  <c:v>0.326763485477178</c:v>
+                  <c:v>0.598340248962656</c:v>
                 </c:pt>
                 <c:pt idx="1">
-                  <c:v>0.126984126984127</c:v>
+                  <c:v>0.694444444444444</c:v>
                 </c:pt>
                 <c:pt idx="2">
-                  <c:v>0.583333333333333</c:v>
+                  <c:v>0.80952380952381</c:v>
                 </c:pt>
                 <c:pt idx="3">
                   <c:v>0.25</c:v>
                 </c:pt>
                 <c:pt idx="4">
-                  <c:v>0.74402975743936</c:v>
+                  <c:v>0.779926086172706</c:v>
                 </c:pt>
                 <c:pt idx="5">
-                  <c:v>0.953809342812813</c:v>
+                  <c:v>0.991604188472268</c:v>
                 </c:pt>
                 <c:pt idx="6">
-                  <c:v>0.43006993006993</c:v>
+                  <c:v>0.311570929640745</c:v>
                 </c:pt>
                 <c:pt idx="7">
-                  <c:v>0.0117013712544439</c:v>
+                  <c:v>0.594679545272045</c:v>
                 </c:pt>
                 <c:pt idx="8">
-                  <c:v>0</c:v>
+                  <c:v>0.584041565076048</c:v>
                 </c:pt>
                 <c:pt idx="9">
-                  <c:v>1</c:v>
+                  <c:v>0.993492063492063</c:v>
                 </c:pt>
                 <c:pt idx="10">
-                  <c:v>0.786392224128073</c:v>
+                  <c:v>0.555714833038455</c:v>
                 </c:pt>
                 <c:pt idx="11">
-                  <c:v>1</c:v>
+                  <c:v>0.988818181818182</c:v>
                 </c:pt>
               </c:numCache>
             </c:numRef>
@@ -2146,7 +2146,7 @@
 </c:chartSpace>
 </file>
 
-<file path=ppt/charts/chart341.xml><?xml version="1.0" encoding="utf-8"?>
+<file path=ppt/charts/chart16.xml><?xml version="1.0" encoding="utf-8"?>
 <c:chartSpace xmlns:c="http://schemas.openxmlformats.org/drawingml/2006/chart" xmlns:a="http://schemas.openxmlformats.org/drawingml/2006/main" xmlns:r="http://schemas.openxmlformats.org/officeDocument/2006/relationships">
   <c:date1904 val="0"/>
   <c:chart>
@@ -2165,7 +2165,7 @@
               <c:strCache>
                 <c:ptCount val="1"/>
                 <c:pt idx="0">
-                  <c:v>肛肠科</c:v>
+                  <c:v>男科</c:v>
                 </c:pt>
               </c:strCache>
             </c:strRef>
@@ -2245,40 +2245,40 @@
                 <c:formatCode>General</c:formatCode>
                 <c:ptCount val="12"/>
                 <c:pt idx="0">
-                  <c:v>0.917842323651452</c:v>
+                  <c:v>1</c:v>
                 </c:pt>
                 <c:pt idx="1">
-                  <c:v>0.584444444444445</c:v>
+                  <c:v>0.432539682539683</c:v>
                 </c:pt>
                 <c:pt idx="2">
-                  <c:v>0.6</c:v>
+                  <c:v>0.636363636363636</c:v>
                 </c:pt>
                 <c:pt idx="3">
-                  <c:v>0.75</c:v>
+                  <c:v>0.375</c:v>
                 </c:pt>
                 <c:pt idx="4">
-                  <c:v>0.763081395348837</c:v>
+                  <c:v>1</c:v>
                 </c:pt>
                 <c:pt idx="5">
-                  <c:v>0.981212447769995</c:v>
+                  <c:v>0.987830790032838</c:v>
                 </c:pt>
                 <c:pt idx="6">
-                  <c:v>0.375231696014829</c:v>
+                  <c:v>0.315496098104794</c:v>
                 </c:pt>
                 <c:pt idx="7">
-                  <c:v>0.825792555697651</c:v>
+                  <c:v>0.518113473580692</c:v>
                 </c:pt>
                 <c:pt idx="8">
-                  <c:v>0.257472736103139</c:v>
+                  <c:v>0.299309381333682</c:v>
                 </c:pt>
                 <c:pt idx="9">
-                  <c:v>0.999947619047619</c:v>
+                  <c:v>0.998412698412698</c:v>
                 </c:pt>
                 <c:pt idx="10">
-                  <c:v>0.820411836023339</c:v>
+                  <c:v>0.950165736275903</c:v>
                 </c:pt>
                 <c:pt idx="11">
-                  <c:v>0.989895947426068</c:v>
+                  <c:v>1</c:v>
                 </c:pt>
               </c:numCache>
             </c:numRef>
@@ -2432,7 +2432,7 @@
 </c:chartSpace>
 </file>
 
-<file path=ppt/charts/chart342.xml><?xml version="1.0" encoding="utf-8"?>
+<file path=ppt/charts/chart17.xml><?xml version="1.0" encoding="utf-8"?>
 <c:chartSpace xmlns:c="http://schemas.openxmlformats.org/drawingml/2006/chart" xmlns:a="http://schemas.openxmlformats.org/drawingml/2006/main" xmlns:r="http://schemas.openxmlformats.org/officeDocument/2006/relationships">
   <c:date1904 val="0"/>
   <c:chart>
@@ -2451,7 +2451,7 @@
               <c:strCache>
                 <c:ptCount val="1"/>
                 <c:pt idx="0">
-                  <c:v>骨科</c:v>
+                  <c:v>神经内科</c:v>
                 </c:pt>
               </c:strCache>
             </c:strRef>
@@ -2531,40 +2531,40 @@
                 <c:formatCode>General</c:formatCode>
                 <c:ptCount val="12"/>
                 <c:pt idx="0">
-                  <c:v>0.4680817108203</c:v>
+                  <c:v>0.438589211618257</c:v>
                 </c:pt>
                 <c:pt idx="1">
-                  <c:v>0.659188034188034</c:v>
+                  <c:v>0.211988304093567</c:v>
                 </c:pt>
                 <c:pt idx="2">
-                  <c:v>0.652173913043478</c:v>
+                  <c:v>0.866666666666667</c:v>
                 </c:pt>
                 <c:pt idx="3">
                   <c:v>0.5</c:v>
                 </c:pt>
                 <c:pt idx="4">
-                  <c:v>0.77422480620155</c:v>
+                  <c:v>0.707364341085271</c:v>
                 </c:pt>
                 <c:pt idx="5">
-                  <c:v>0.978757256285392</c:v>
+                  <c:v>0.919832660654921</c:v>
                 </c:pt>
                 <c:pt idx="6">
-                  <c:v>0</c:v>
+                  <c:v>0.519927536231884</c:v>
                 </c:pt>
                 <c:pt idx="7">
-                  <c:v>0.913940473034815</c:v>
+                  <c:v>0.0161635789520171</c:v>
                 </c:pt>
                 <c:pt idx="8">
-                  <c:v>0.707888372598571</c:v>
+                  <c:v>0.907446425818387</c:v>
                 </c:pt>
                 <c:pt idx="9">
-                  <c:v>0.988888888888889</c:v>
+                  <c:v>1</c:v>
                 </c:pt>
                 <c:pt idx="10">
-                  <c:v>0.882331661064284</c:v>
+                  <c:v>0.905675914186989</c:v>
                 </c:pt>
                 <c:pt idx="11">
-                  <c:v>0.992492064783918</c:v>
+                  <c:v>0.964218181818182</c:v>
                 </c:pt>
               </c:numCache>
             </c:numRef>
@@ -2718,7 +2718,7 @@
 </c:chartSpace>
 </file>
 
-<file path=ppt/charts/chart343.xml><?xml version="1.0" encoding="utf-8"?>
+<file path=ppt/charts/chart18.xml><?xml version="1.0" encoding="utf-8"?>
 <c:chartSpace xmlns:c="http://schemas.openxmlformats.org/drawingml/2006/chart" xmlns:a="http://schemas.openxmlformats.org/drawingml/2006/main" xmlns:r="http://schemas.openxmlformats.org/officeDocument/2006/relationships">
   <c:date1904 val="0"/>
   <c:chart>
@@ -2737,7 +2737,7 @@
               <c:strCache>
                 <c:ptCount val="1"/>
                 <c:pt idx="0">
-                  <c:v>呼吸内科</c:v>
+                  <c:v>神经外科</c:v>
                 </c:pt>
               </c:strCache>
             </c:strRef>
@@ -2817,40 +2817,40 @@
                 <c:formatCode>General</c:formatCode>
                 <c:ptCount val="12"/>
                 <c:pt idx="0">
-                  <c:v>0.16701244813278</c:v>
+                  <c:v>0.406639004149378</c:v>
                 </c:pt>
                 <c:pt idx="1">
-                  <c:v>0.618055555555556</c:v>
+                  <c:v>0.388888888888889</c:v>
                 </c:pt>
                 <c:pt idx="2">
-                  <c:v>0.787234042553191</c:v>
+                  <c:v>0.52</c:v>
                 </c:pt>
                 <c:pt idx="3">
-                  <c:v>0.375</c:v>
+                  <c:v>0.125</c:v>
                 </c:pt>
                 <c:pt idx="4">
-                  <c:v>0.705426356589147</c:v>
+                  <c:v>0.661754101316027</c:v>
                 </c:pt>
                 <c:pt idx="5">
+                  <c:v>0.973680545884974</c:v>
+                </c:pt>
+                <c:pt idx="6">
+                  <c:v>0.558196856906534</c:v>
+                </c:pt>
+                <c:pt idx="7">
+                  <c:v>0.285110830780321</c:v>
+                </c:pt>
+                <c:pt idx="8">
+                  <c:v>0.507563076361202</c:v>
+                </c:pt>
+                <c:pt idx="9">
                   <c:v>1</c:v>
                 </c:pt>
-                <c:pt idx="6">
-                  <c:v>0.488106695460983</c:v>
-                </c:pt>
-                <c:pt idx="7">
-                  <c:v>0.0196391644490209</c:v>
-                </c:pt>
-                <c:pt idx="8">
-                  <c:v>0.666300940438872</c:v>
-                </c:pt>
-                <c:pt idx="9">
-                  <c:v>0.999901587301587</c:v>
-                </c:pt>
                 <c:pt idx="10">
-                  <c:v>0.516009235322229</c:v>
+                  <c:v>0.545222154595253</c:v>
                 </c:pt>
                 <c:pt idx="11">
-                  <c:v>0.928343551474464</c:v>
+                  <c:v>0.855718475073314</c:v>
                 </c:pt>
               </c:numCache>
             </c:numRef>
@@ -3004,7 +3004,7 @@
 </c:chartSpace>
 </file>
 
-<file path=ppt/charts/chart344.xml><?xml version="1.0" encoding="utf-8"?>
+<file path=ppt/charts/chart19.xml><?xml version="1.0" encoding="utf-8"?>
 <c:chartSpace xmlns:c="http://schemas.openxmlformats.org/drawingml/2006/chart" xmlns:a="http://schemas.openxmlformats.org/drawingml/2006/main" xmlns:r="http://schemas.openxmlformats.org/officeDocument/2006/relationships">
   <c:date1904 val="0"/>
   <c:chart>
@@ -3023,7 +3023,7 @@
               <c:strCache>
                 <c:ptCount val="1"/>
                 <c:pt idx="0">
-                  <c:v>急诊科</c:v>
+                  <c:v>内分泌科</c:v>
                 </c:pt>
               </c:strCache>
             </c:strRef>
@@ -3103,40 +3103,40 @@
                 <c:formatCode>General</c:formatCode>
                 <c:ptCount val="12"/>
                 <c:pt idx="0">
-                  <c:v>0.0580912863070539</c:v>
+                  <c:v>0.174273858921162</c:v>
                 </c:pt>
                 <c:pt idx="1">
-                  <c:v>0</c:v>
+                  <c:v>0.444444444444444</c:v>
                 </c:pt>
                 <c:pt idx="2">
-                  <c:v>0.495327102803738</c:v>
+                  <c:v>0.857142857142857</c:v>
                 </c:pt>
                 <c:pt idx="3">
-                  <c:v>0.125</c:v>
+                  <c:v>0.375</c:v>
                 </c:pt>
                 <c:pt idx="4">
-                  <c:v>0.833853280393269</c:v>
+                  <c:v>0.763972868217054</c:v>
                 </c:pt>
                 <c:pt idx="5">
-                  <c:v>0.216718412113617</c:v>
+                  <c:v>0.91384199343249</c:v>
                 </c:pt>
                 <c:pt idx="6">
-                  <c:v>0.940379585540876</c:v>
+                  <c:v>0.490171061336358</c:v>
                 </c:pt>
                 <c:pt idx="7">
-                  <c:v>0.0112218904794144</c:v>
+                  <c:v>0.00273706585906328</c:v>
                 </c:pt>
                 <c:pt idx="8">
-                  <c:v>0.256269592476489</c:v>
+                  <c:v>0.113897596656217</c:v>
                 </c:pt>
                 <c:pt idx="9">
-                  <c:v>0.97047619047619</c:v>
+                  <c:v>1</c:v>
                 </c:pt>
                 <c:pt idx="10">
-                  <c:v>0.28556858745538</c:v>
+                  <c:v>0.700210238002258</c:v>
                 </c:pt>
                 <c:pt idx="11">
-                  <c:v>0.931758738210351</c:v>
+                  <c:v>1</c:v>
                 </c:pt>
               </c:numCache>
             </c:numRef>
@@ -3290,7 +3290,7 @@
 </c:chartSpace>
 </file>
 
-<file path=ppt/charts/chart345.xml><?xml version="1.0" encoding="utf-8"?>
+<file path=ppt/charts/chart2.xml><?xml version="1.0" encoding="utf-8"?>
 <c:chartSpace xmlns:c="http://schemas.openxmlformats.org/drawingml/2006/chart" xmlns:a="http://schemas.openxmlformats.org/drawingml/2006/main" xmlns:r="http://schemas.openxmlformats.org/officeDocument/2006/relationships">
   <c:date1904 val="0"/>
   <c:chart>
@@ -3309,7 +3309,7 @@
               <c:strCache>
                 <c:ptCount val="1"/>
                 <c:pt idx="0">
-                  <c:v>口腔科</c:v>
+                  <c:v>耳鼻喉科</c:v>
                 </c:pt>
               </c:strCache>
             </c:strRef>
@@ -3389,40 +3389,40 @@
                 <c:formatCode>General</c:formatCode>
                 <c:ptCount val="12"/>
                 <c:pt idx="0">
-                  <c:v>0.15103734439834</c:v>
+                  <c:v>0.534439834024896</c:v>
                 </c:pt>
                 <c:pt idx="1">
-                  <c:v>0.111111111111111</c:v>
+                  <c:v>0.301587301587302</c:v>
                 </c:pt>
                 <c:pt idx="2">
                   <c:v>1</c:v>
                 </c:pt>
                 <c:pt idx="3">
-                  <c:v>0</c:v>
+                  <c:v>0.25</c:v>
                 </c:pt>
                 <c:pt idx="4">
-                  <c:v>0.484496124031008</c:v>
+                  <c:v>0.879715762273902</c:v>
                 </c:pt>
                 <c:pt idx="5">
-                  <c:v>0.809349043847788</c:v>
+                  <c:v>0.917159229927242</c:v>
                 </c:pt>
                 <c:pt idx="6">
-                  <c:v>0.41</c:v>
+                  <c:v>0.233163723436097</c:v>
                 </c:pt>
                 <c:pt idx="7">
-                  <c:v>0</c:v>
+                  <c:v>0.740821250787992</c:v>
                 </c:pt>
                 <c:pt idx="8">
-                  <c:v>0</c:v>
+                  <c:v>0.186727890856108</c:v>
                 </c:pt>
                 <c:pt idx="9">
-                  <c:v>1</c:v>
+                  <c:v>0.999047619047619</c:v>
                 </c:pt>
                 <c:pt idx="10">
-                  <c:v>0.706289308176101</c:v>
+                  <c:v>0.923810456076809</c:v>
                 </c:pt>
                 <c:pt idx="11">
-                  <c:v>0.948563636363636</c:v>
+                  <c:v>0.993290909090909</c:v>
                 </c:pt>
               </c:numCache>
             </c:numRef>
@@ -3576,7 +3576,7 @@
 </c:chartSpace>
 </file>
 
-<file path=ppt/charts/chart346.xml><?xml version="1.0" encoding="utf-8"?>
+<file path=ppt/charts/chart20.xml><?xml version="1.0" encoding="utf-8"?>
 <c:chartSpace xmlns:c="http://schemas.openxmlformats.org/drawingml/2006/chart" xmlns:a="http://schemas.openxmlformats.org/drawingml/2006/main" xmlns:r="http://schemas.openxmlformats.org/officeDocument/2006/relationships">
   <c:date1904 val="0"/>
   <c:chart>
@@ -3595,7 +3595,7 @@
               <c:strCache>
                 <c:ptCount val="1"/>
                 <c:pt idx="0">
-                  <c:v>老年医学科</c:v>
+                  <c:v>皮肤科</c:v>
                 </c:pt>
               </c:strCache>
             </c:strRef>
@@ -3675,40 +3675,40 @@
                 <c:formatCode>General</c:formatCode>
                 <c:ptCount val="12"/>
                 <c:pt idx="0">
-                  <c:v>0.601118527872993</c:v>
+                  <c:v>0.387844764461801</c:v>
                 </c:pt>
                 <c:pt idx="1">
-                  <c:v>0.611111111111111</c:v>
+                  <c:v>0.293402777777778</c:v>
                 </c:pt>
                 <c:pt idx="2">
-                  <c:v>0.44</c:v>
+                  <c:v>0.692307692307692</c:v>
                 </c:pt>
                 <c:pt idx="3">
-                  <c:v>0.25</c:v>
+                  <c:v>0.125</c:v>
                 </c:pt>
                 <c:pt idx="4">
-                  <c:v>0.795025839793282</c:v>
+                  <c:v>0</c:v>
                 </c:pt>
                 <c:pt idx="5">
-                  <c:v>0.964844504539308</c:v>
+                  <c:v>0.935311041753505</c:v>
                 </c:pt>
                 <c:pt idx="6">
-                  <c:v>0.56451655982906</c:v>
+                  <c:v>0.482673094389716</c:v>
                 </c:pt>
                 <c:pt idx="7">
-                  <c:v>0</c:v>
+                  <c:v>0.143211605498303</c:v>
                 </c:pt>
                 <c:pt idx="8">
                   <c:v>0</c:v>
                 </c:pt>
                 <c:pt idx="9">
-                  <c:v>0.922222222222222</c:v>
+                  <c:v>0.995714285714286</c:v>
                 </c:pt>
                 <c:pt idx="10">
-                  <c:v>0.305496593291405</c:v>
+                  <c:v>0.895960790362106</c:v>
                 </c:pt>
                 <c:pt idx="11">
-                  <c:v>0.988818181818182</c:v>
+                  <c:v>0.969531830567253</c:v>
                 </c:pt>
               </c:numCache>
             </c:numRef>
@@ -3862,7 +3862,7 @@
 </c:chartSpace>
 </file>
 
-<file path=ppt/charts/chart347.xml><?xml version="1.0" encoding="utf-8"?>
+<file path=ppt/charts/chart21.xml><?xml version="1.0" encoding="utf-8"?>
 <c:chartSpace xmlns:c="http://schemas.openxmlformats.org/drawingml/2006/chart" xmlns:a="http://schemas.openxmlformats.org/drawingml/2006/main" xmlns:r="http://schemas.openxmlformats.org/officeDocument/2006/relationships">
   <c:date1904 val="0"/>
   <c:chart>
@@ -3881,7 +3881,7 @@
               <c:strCache>
                 <c:ptCount val="1"/>
                 <c:pt idx="0">
-                  <c:v>麻醉科</c:v>
+                  <c:v>普内科</c:v>
                 </c:pt>
               </c:strCache>
             </c:strRef>
@@ -3961,25 +3961,25 @@
                 <c:formatCode>General</c:formatCode>
                 <c:ptCount val="12"/>
                 <c:pt idx="0">
-                  <c:v>0.00726141078838172</c:v>
+                  <c:v>0.184376691322389</c:v>
                 </c:pt>
                 <c:pt idx="1">
-                  <c:v>0.0833333333333333</c:v>
+                  <c:v>0.527777777777778</c:v>
                 </c:pt>
                 <c:pt idx="2">
-                  <c:v>0.822784810126582</c:v>
+                  <c:v>1</c:v>
                 </c:pt>
                 <c:pt idx="3">
-                  <c:v>0.125</c:v>
+                  <c:v>0.375</c:v>
                 </c:pt>
                 <c:pt idx="4">
-                  <c:v>0.484496124031008</c:v>
+                  <c:v>0.933260658914729</c:v>
                 </c:pt>
                 <c:pt idx="5">
-                  <c:v>0.809349043847788</c:v>
+                  <c:v>0.984281437125748</c:v>
                 </c:pt>
                 <c:pt idx="6">
-                  <c:v>0.41</c:v>
+                  <c:v>0.502558984594913</c:v>
                 </c:pt>
                 <c:pt idx="7">
                   <c:v>0</c:v>
@@ -3988,13 +3988,13 @@
                   <c:v>0</c:v>
                 </c:pt>
                 <c:pt idx="9">
-                  <c:v>1</c:v>
+                  <c:v>0.999111111111111</c:v>
                 </c:pt>
                 <c:pt idx="10">
-                  <c:v>0.706289308176101</c:v>
+                  <c:v>0.906200178259833</c:v>
                 </c:pt>
                 <c:pt idx="11">
-                  <c:v>0.948563636363636</c:v>
+                  <c:v>0.977681001633097</c:v>
                 </c:pt>
               </c:numCache>
             </c:numRef>
@@ -4148,7 +4148,7 @@
 </c:chartSpace>
 </file>
 
-<file path=ppt/charts/chart348.xml><?xml version="1.0" encoding="utf-8"?>
+<file path=ppt/charts/chart22.xml><?xml version="1.0" encoding="utf-8"?>
 <c:chartSpace xmlns:c="http://schemas.openxmlformats.org/drawingml/2006/chart" xmlns:a="http://schemas.openxmlformats.org/drawingml/2006/main" xmlns:r="http://schemas.openxmlformats.org/officeDocument/2006/relationships">
   <c:date1904 val="0"/>
   <c:chart>
@@ -4167,7 +4167,7 @@
               <c:strCache>
                 <c:ptCount val="1"/>
                 <c:pt idx="0">
-                  <c:v>泌尿外科</c:v>
+                  <c:v>普通外科</c:v>
                 </c:pt>
               </c:strCache>
             </c:strRef>
@@ -4247,40 +4247,40 @@
                 <c:formatCode>General</c:formatCode>
                 <c:ptCount val="12"/>
                 <c:pt idx="0">
-                  <c:v>0.598340248962656</c:v>
+                  <c:v>0.328711668859427</c:v>
                 </c:pt>
                 <c:pt idx="1">
-                  <c:v>0.694444444444444</c:v>
+                  <c:v>0.982539682539683</c:v>
                 </c:pt>
                 <c:pt idx="2">
-                  <c:v>0.80952380952381</c:v>
+                  <c:v>0.961538461538461</c:v>
                 </c:pt>
                 <c:pt idx="3">
-                  <c:v>0.25</c:v>
+                  <c:v>0.375</c:v>
                 </c:pt>
                 <c:pt idx="4">
-                  <c:v>0.779926086172706</c:v>
+                  <c:v>0.760230755363259</c:v>
                 </c:pt>
                 <c:pt idx="5">
-                  <c:v>0.991604188472268</c:v>
+                  <c:v>0.959781861633073</c:v>
                 </c:pt>
                 <c:pt idx="6">
-                  <c:v>0.311570929640745</c:v>
+                  <c:v>0.293014487920557</c:v>
                 </c:pt>
                 <c:pt idx="7">
-                  <c:v>0.594679545272045</c:v>
+                  <c:v>0.574676268285594</c:v>
                 </c:pt>
                 <c:pt idx="8">
-                  <c:v>0.584041565076048</c:v>
+                  <c:v>0.713338420595379</c:v>
                 </c:pt>
                 <c:pt idx="9">
-                  <c:v>0.993492063492063</c:v>
+                  <c:v>1</c:v>
                 </c:pt>
                 <c:pt idx="10">
-                  <c:v>0.555714833038455</c:v>
+                  <c:v>0.990450158141564</c:v>
                 </c:pt>
                 <c:pt idx="11">
-                  <c:v>0.988818181818182</c:v>
+                  <c:v>1</c:v>
                 </c:pt>
               </c:numCache>
             </c:numRef>
@@ -4434,7 +4434,7 @@
 </c:chartSpace>
 </file>
 
-<file path=ppt/charts/chart349.xml><?xml version="1.0" encoding="utf-8"?>
+<file path=ppt/charts/chart23.xml><?xml version="1.0" encoding="utf-8"?>
 <c:chartSpace xmlns:c="http://schemas.openxmlformats.org/drawingml/2006/chart" xmlns:a="http://schemas.openxmlformats.org/drawingml/2006/main" xmlns:r="http://schemas.openxmlformats.org/officeDocument/2006/relationships">
   <c:date1904 val="0"/>
   <c:chart>
@@ -4453,7 +4453,7 @@
               <c:strCache>
                 <c:ptCount val="1"/>
                 <c:pt idx="0">
-                  <c:v>男科</c:v>
+                  <c:v>乳腺外科</c:v>
                 </c:pt>
               </c:strCache>
             </c:strRef>
@@ -4533,40 +4533,40 @@
                 <c:formatCode>General</c:formatCode>
                 <c:ptCount val="12"/>
                 <c:pt idx="0">
-                  <c:v>1</c:v>
+                  <c:v>0.218696607273615</c:v>
                 </c:pt>
                 <c:pt idx="1">
-                  <c:v>0.432539682539683</c:v>
+                  <c:v>0.532679738562092</c:v>
                 </c:pt>
                 <c:pt idx="2">
-                  <c:v>0.636363636363636</c:v>
+                  <c:v>0.789473684210526</c:v>
                 </c:pt>
                 <c:pt idx="3">
-                  <c:v>0.375</c:v>
+                  <c:v>0.125</c:v>
                 </c:pt>
                 <c:pt idx="4">
-                  <c:v>1</c:v>
+                  <c:v>0.884420757967269</c:v>
                 </c:pt>
                 <c:pt idx="5">
-                  <c:v>0.987830790032838</c:v>
+                  <c:v>0.881913592170498</c:v>
                 </c:pt>
                 <c:pt idx="6">
-                  <c:v>0.315496098104794</c:v>
+                  <c:v>0.365258992504502</c:v>
                 </c:pt>
                 <c:pt idx="7">
-                  <c:v>0.518113473580692</c:v>
+                  <c:v>0.34099804454068</c:v>
                 </c:pt>
                 <c:pt idx="8">
-                  <c:v>0.299309381333682</c:v>
+                  <c:v>0.222041804440246</c:v>
                 </c:pt>
                 <c:pt idx="9">
-                  <c:v>0.998412698412698</c:v>
+                  <c:v>0.994603174603175</c:v>
                 </c:pt>
                 <c:pt idx="10">
-                  <c:v>0.950165736275903</c:v>
+                  <c:v>0.705010219697826</c:v>
                 </c:pt>
                 <c:pt idx="11">
-                  <c:v>1</c:v>
+                  <c:v>0.99391300044539</c:v>
                 </c:pt>
               </c:numCache>
             </c:numRef>
@@ -4720,7 +4720,7 @@
 </c:chartSpace>
 </file>
 
-<file path=ppt/charts/chart350.xml><?xml version="1.0" encoding="utf-8"?>
+<file path=ppt/charts/chart24.xml><?xml version="1.0" encoding="utf-8"?>
 <c:chartSpace xmlns:c="http://schemas.openxmlformats.org/drawingml/2006/chart" xmlns:a="http://schemas.openxmlformats.org/drawingml/2006/main" xmlns:r="http://schemas.openxmlformats.org/officeDocument/2006/relationships">
   <c:date1904 val="0"/>
   <c:chart>
@@ -4739,7 +4739,7 @@
               <c:strCache>
                 <c:ptCount val="1"/>
                 <c:pt idx="0">
-                  <c:v>神经内科</c:v>
+                  <c:v>肾脏内科</c:v>
                 </c:pt>
               </c:strCache>
             </c:strRef>
@@ -4819,40 +4819,40 @@
                 <c:formatCode>General</c:formatCode>
                 <c:ptCount val="12"/>
                 <c:pt idx="0">
-                  <c:v>0.438589211618257</c:v>
+                  <c:v>0.570105181897134</c:v>
                 </c:pt>
                 <c:pt idx="1">
-                  <c:v>0.211988304093567</c:v>
+                  <c:v>0.758397932816537</c:v>
                 </c:pt>
                 <c:pt idx="2">
-                  <c:v>0.866666666666667</c:v>
+                  <c:v>0.753086419753086</c:v>
                 </c:pt>
                 <c:pt idx="3">
                   <c:v>0.5</c:v>
                 </c:pt>
                 <c:pt idx="4">
-                  <c:v>0.707364341085271</c:v>
+                  <c:v>0.727273901808786</c:v>
                 </c:pt>
                 <c:pt idx="5">
-                  <c:v>0.919832660654921</c:v>
+                  <c:v>0.989128839096002</c:v>
                 </c:pt>
                 <c:pt idx="6">
-                  <c:v>0.519927536231884</c:v>
+                  <c:v>0.545094507707801</c:v>
                 </c:pt>
                 <c:pt idx="7">
-                  <c:v>0.0161635789520171</c:v>
+                  <c:v>0.0587351685260511</c:v>
                 </c:pt>
                 <c:pt idx="8">
-                  <c:v>0.907446425818387</c:v>
+                  <c:v>0.0212085179980543</c:v>
                 </c:pt>
                 <c:pt idx="9">
-                  <c:v>1</c:v>
+                  <c:v>0.956190476190476</c:v>
                 </c:pt>
                 <c:pt idx="10">
-                  <c:v>0.905675914186989</c:v>
+                  <c:v>0.554109901385168</c:v>
                 </c:pt>
                 <c:pt idx="11">
-                  <c:v>0.964218181818182</c:v>
+                  <c:v>0.966218071958253</c:v>
                 </c:pt>
               </c:numCache>
             </c:numRef>
@@ -5006,7 +5006,7 @@
 </c:chartSpace>
 </file>
 
-<file path=ppt/charts/chart351.xml><?xml version="1.0" encoding="utf-8"?>
+<file path=ppt/charts/chart25.xml><?xml version="1.0" encoding="utf-8"?>
 <c:chartSpace xmlns:c="http://schemas.openxmlformats.org/drawingml/2006/chart" xmlns:a="http://schemas.openxmlformats.org/drawingml/2006/main" xmlns:r="http://schemas.openxmlformats.org/officeDocument/2006/relationships">
   <c:date1904 val="0"/>
   <c:chart>
@@ -5025,7 +5025,7 @@
               <c:strCache>
                 <c:ptCount val="1"/>
                 <c:pt idx="0">
-                  <c:v>神经外科</c:v>
+                  <c:v>推拿科</c:v>
                 </c:pt>
               </c:strCache>
             </c:strRef>
@@ -5105,40 +5105,40 @@
                 <c:formatCode>General</c:formatCode>
                 <c:ptCount val="12"/>
                 <c:pt idx="0">
-                  <c:v>0.406639004149378</c:v>
+                  <c:v>0.315352697095436</c:v>
                 </c:pt>
                 <c:pt idx="1">
-                  <c:v>0.388888888888889</c:v>
+                  <c:v>0.0277777777777778</c:v>
                 </c:pt>
                 <c:pt idx="2">
-                  <c:v>0.52</c:v>
+                  <c:v>0.866666666666667</c:v>
                 </c:pt>
                 <c:pt idx="3">
                   <c:v>0.125</c:v>
                 </c:pt>
                 <c:pt idx="4">
-                  <c:v>0.661754101316027</c:v>
+                  <c:v>0.894444444444444</c:v>
                 </c:pt>
                 <c:pt idx="5">
-                  <c:v>0.973680545884974</c:v>
+                  <c:v>0.995943596677613</c:v>
                 </c:pt>
                 <c:pt idx="6">
-                  <c:v>0.558196856906534</c:v>
+                  <c:v>0.50017392168555</c:v>
                 </c:pt>
                 <c:pt idx="7">
-                  <c:v>0.285110830780321</c:v>
+                  <c:v>0</c:v>
                 </c:pt>
                 <c:pt idx="8">
-                  <c:v>0.507563076361202</c:v>
+                  <c:v>0</c:v>
                 </c:pt>
                 <c:pt idx="9">
                   <c:v>1</c:v>
                 </c:pt>
                 <c:pt idx="10">
-                  <c:v>0.545222154595253</c:v>
+                  <c:v>0.709704548778704</c:v>
                 </c:pt>
                 <c:pt idx="11">
-                  <c:v>0.855718475073314</c:v>
+                  <c:v>1</c:v>
                 </c:pt>
               </c:numCache>
             </c:numRef>
@@ -5292,7 +5292,7 @@
 </c:chartSpace>
 </file>
 
-<file path=ppt/charts/chart352.xml><?xml version="1.0" encoding="utf-8"?>
+<file path=ppt/charts/chart26.xml><?xml version="1.0" encoding="utf-8"?>
 <c:chartSpace xmlns:c="http://schemas.openxmlformats.org/drawingml/2006/chart" xmlns:a="http://schemas.openxmlformats.org/drawingml/2006/main" xmlns:r="http://schemas.openxmlformats.org/officeDocument/2006/relationships">
   <c:date1904 val="0"/>
   <c:chart>
@@ -5311,7 +5311,7 @@
               <c:strCache>
                 <c:ptCount val="1"/>
                 <c:pt idx="0">
-                  <c:v>内分泌科</c:v>
+                  <c:v>脾胃病</c:v>
                 </c:pt>
               </c:strCache>
             </c:strRef>
@@ -5391,40 +5391,40 @@
                 <c:formatCode>General</c:formatCode>
                 <c:ptCount val="12"/>
                 <c:pt idx="0">
-                  <c:v>0.174273858921162</c:v>
+                  <c:v>0.755186721991701</c:v>
                 </c:pt>
                 <c:pt idx="1">
                   <c:v>0.444444444444444</c:v>
                 </c:pt>
                 <c:pt idx="2">
-                  <c:v>0.857142857142857</c:v>
+                  <c:v>0.764705882352941</c:v>
                 </c:pt>
                 <c:pt idx="3">
-                  <c:v>0.375</c:v>
+                  <c:v>0.5</c:v>
                 </c:pt>
                 <c:pt idx="4">
                   <c:v>0.763972868217054</c:v>
                 </c:pt>
                 <c:pt idx="5">
-                  <c:v>0.91384199343249</c:v>
+                  <c:v>0.936233339772069</c:v>
                 </c:pt>
                 <c:pt idx="6">
-                  <c:v>0.490171061336358</c:v>
+                  <c:v>0.434676927214241</c:v>
                 </c:pt>
                 <c:pt idx="7">
-                  <c:v>0.00273706585906328</c:v>
+                  <c:v>0.00692295731068348</c:v>
                 </c:pt>
                 <c:pt idx="8">
-                  <c:v>0.113897596656217</c:v>
+                  <c:v>0.256269592476489</c:v>
                 </c:pt>
                 <c:pt idx="9">
                   <c:v>1</c:v>
                 </c:pt>
                 <c:pt idx="10">
-                  <c:v>0.700210238002258</c:v>
+                  <c:v>0.709704548778704</c:v>
                 </c:pt>
                 <c:pt idx="11">
-                  <c:v>1</c:v>
+                  <c:v>0.888181818181818</c:v>
                 </c:pt>
               </c:numCache>
             </c:numRef>
@@ -5578,7 +5578,7 @@
 </c:chartSpace>
 </file>
 
-<file path=ppt/charts/chart353.xml><?xml version="1.0" encoding="utf-8"?>
+<file path=ppt/charts/chart27.xml><?xml version="1.0" encoding="utf-8"?>
 <c:chartSpace xmlns:c="http://schemas.openxmlformats.org/drawingml/2006/chart" xmlns:a="http://schemas.openxmlformats.org/drawingml/2006/main" xmlns:r="http://schemas.openxmlformats.org/officeDocument/2006/relationships">
   <c:date1904 val="0"/>
   <c:chart>
@@ -5597,7 +5597,7 @@
               <c:strCache>
                 <c:ptCount val="1"/>
                 <c:pt idx="0">
-                  <c:v>皮肤科</c:v>
+                  <c:v>消化内镜</c:v>
                 </c:pt>
               </c:strCache>
             </c:strRef>
@@ -5677,40 +5677,40 @@
                 <c:formatCode>General</c:formatCode>
                 <c:ptCount val="12"/>
                 <c:pt idx="0">
-                  <c:v>0.387844764461801</c:v>
+                  <c:v>0</c:v>
                 </c:pt>
                 <c:pt idx="1">
-                  <c:v>0.293402777777778</c:v>
+                  <c:v>0.222222222222222</c:v>
                 </c:pt>
                 <c:pt idx="2">
-                  <c:v>0.692307692307692</c:v>
+                  <c:v>0.7</c:v>
                 </c:pt>
                 <c:pt idx="3">
-                  <c:v>0.125</c:v>
+                  <c:v>0</c:v>
                 </c:pt>
                 <c:pt idx="4">
-                  <c:v>0</c:v>
+                  <c:v>0.780038759689922</c:v>
                 </c:pt>
                 <c:pt idx="5">
-                  <c:v>0.935311041753505</c:v>
+                  <c:v>0.79782031861574</c:v>
                 </c:pt>
                 <c:pt idx="6">
-                  <c:v>0.482673094389716</c:v>
+                  <c:v>0.246773127370142</c:v>
                 </c:pt>
                 <c:pt idx="7">
-                  <c:v>0.143211605498303</c:v>
+                  <c:v>0.0708291958187731</c:v>
                 </c:pt>
                 <c:pt idx="8">
-                  <c:v>0</c:v>
+                  <c:v>0.835509082320608</c:v>
                 </c:pt>
                 <c:pt idx="9">
-                  <c:v>0.995714285714286</c:v>
+                  <c:v>1</c:v>
                 </c:pt>
                 <c:pt idx="10">
-                  <c:v>0.895960790362106</c:v>
+                  <c:v>0.709704548778704</c:v>
                 </c:pt>
                 <c:pt idx="11">
-                  <c:v>0.969531830567253</c:v>
+                  <c:v>0.776363636363636</c:v>
                 </c:pt>
               </c:numCache>
             </c:numRef>
@@ -5864,7 +5864,7 @@
 </c:chartSpace>
 </file>
 
-<file path=ppt/charts/chart354.xml><?xml version="1.0" encoding="utf-8"?>
+<file path=ppt/charts/chart28.xml><?xml version="1.0" encoding="utf-8"?>
 <c:chartSpace xmlns:c="http://schemas.openxmlformats.org/drawingml/2006/chart" xmlns:a="http://schemas.openxmlformats.org/drawingml/2006/main" xmlns:r="http://schemas.openxmlformats.org/officeDocument/2006/relationships">
   <c:date1904 val="0"/>
   <c:chart>
@@ -5883,7 +5883,7 @@
               <c:strCache>
                 <c:ptCount val="1"/>
                 <c:pt idx="0">
-                  <c:v>普内科</c:v>
+                  <c:v>心血管内科</c:v>
                 </c:pt>
               </c:strCache>
             </c:strRef>
@@ -5963,40 +5963,40 @@
                 <c:formatCode>General</c:formatCode>
                 <c:ptCount val="12"/>
                 <c:pt idx="0">
-                  <c:v>0.184376691322389</c:v>
+                  <c:v>0.519404442274835</c:v>
                 </c:pt>
                 <c:pt idx="1">
-                  <c:v>0.527777777777778</c:v>
+                  <c:v>0.820261437908497</c:v>
                 </c:pt>
                 <c:pt idx="2">
+                  <c:v>0.815384615384616</c:v>
+                </c:pt>
+                <c:pt idx="3">
+                  <c:v>0.875</c:v>
+                </c:pt>
+                <c:pt idx="4">
+                  <c:v>0.780330784750982</c:v>
+                </c:pt>
+                <c:pt idx="5">
+                  <c:v>0.975494878559276</c:v>
+                </c:pt>
+                <c:pt idx="6">
+                  <c:v>0.615762781683245</c:v>
+                </c:pt>
+                <c:pt idx="7">
+                  <c:v>0.0923751918230064</c:v>
+                </c:pt>
+                <c:pt idx="8">
                   <c:v>1</c:v>
                 </c:pt>
-                <c:pt idx="3">
-                  <c:v>0.375</c:v>
-                </c:pt>
-                <c:pt idx="4">
-                  <c:v>0.933260658914729</c:v>
-                </c:pt>
-                <c:pt idx="5">
-                  <c:v>0.984281437125748</c:v>
-                </c:pt>
-                <c:pt idx="6">
-                  <c:v>0.502558984594913</c:v>
-                </c:pt>
-                <c:pt idx="7">
-                  <c:v>0</c:v>
-                </c:pt>
-                <c:pt idx="8">
-                  <c:v>0</c:v>
-                </c:pt>
                 <c:pt idx="9">
-                  <c:v>0.999111111111111</c:v>
+                  <c:v>1</c:v>
                 </c:pt>
                 <c:pt idx="10">
-                  <c:v>0.906200178259833</c:v>
+                  <c:v>0.71456611724251</c:v>
                 </c:pt>
                 <c:pt idx="11">
-                  <c:v>0.977681001633097</c:v>
+                  <c:v>0.982109090909091</c:v>
                 </c:pt>
               </c:numCache>
             </c:numRef>
@@ -6150,7 +6150,7 @@
 </c:chartSpace>
 </file>
 
-<file path=ppt/charts/chart355.xml><?xml version="1.0" encoding="utf-8"?>
+<file path=ppt/charts/chart29.xml><?xml version="1.0" encoding="utf-8"?>
 <c:chartSpace xmlns:c="http://schemas.openxmlformats.org/drawingml/2006/chart" xmlns:a="http://schemas.openxmlformats.org/drawingml/2006/main" xmlns:r="http://schemas.openxmlformats.org/officeDocument/2006/relationships">
   <c:date1904 val="0"/>
   <c:chart>
@@ -6169,7 +6169,7 @@
               <c:strCache>
                 <c:ptCount val="1"/>
                 <c:pt idx="0">
-                  <c:v>普通外科</c:v>
+                  <c:v>肿瘤外科</c:v>
                 </c:pt>
               </c:strCache>
             </c:strRef>
@@ -6249,40 +6249,40 @@
                 <c:formatCode>General</c:formatCode>
                 <c:ptCount val="12"/>
                 <c:pt idx="0">
-                  <c:v>0.328711668859427</c:v>
+                  <c:v>0.29045643153527</c:v>
                 </c:pt>
                 <c:pt idx="1">
-                  <c:v>0.982539682539683</c:v>
+                  <c:v>0.327777777777778</c:v>
                 </c:pt>
                 <c:pt idx="2">
-                  <c:v>0.961538461538461</c:v>
+                  <c:v>0.636363636363636</c:v>
                 </c:pt>
                 <c:pt idx="3">
-                  <c:v>0.375</c:v>
+                  <c:v>0.125</c:v>
                 </c:pt>
                 <c:pt idx="4">
-                  <c:v>0.760230755363259</c:v>
+                  <c:v>0.653875968992248</c:v>
                 </c:pt>
                 <c:pt idx="5">
-                  <c:v>0.959781861633073</c:v>
+                  <c:v>0.973552250338034</c:v>
                 </c:pt>
                 <c:pt idx="6">
-                  <c:v>0.293014487920557</c:v>
+                  <c:v>0.504994828243236</c:v>
                 </c:pt>
                 <c:pt idx="7">
-                  <c:v>0.574676268285594</c:v>
+                  <c:v>0.292865530370423</c:v>
                 </c:pt>
                 <c:pt idx="8">
-                  <c:v>0.713338420595379</c:v>
+                  <c:v>0.876816646109294</c:v>
                 </c:pt>
                 <c:pt idx="9">
                   <c:v>1</c:v>
                 </c:pt>
                 <c:pt idx="10">
-                  <c:v>0.990450158141564</c:v>
+                  <c:v>0.269153013126093</c:v>
                 </c:pt>
                 <c:pt idx="11">
-                  <c:v>1</c:v>
+                  <c:v>0.992877822814129</c:v>
                 </c:pt>
               </c:numCache>
             </c:numRef>
@@ -6436,7 +6436,7 @@
 </c:chartSpace>
 </file>
 
-<file path=ppt/charts/chart356.xml><?xml version="1.0" encoding="utf-8"?>
+<file path=ppt/charts/chart3.xml><?xml version="1.0" encoding="utf-8"?>
 <c:chartSpace xmlns:c="http://schemas.openxmlformats.org/drawingml/2006/chart" xmlns:a="http://schemas.openxmlformats.org/drawingml/2006/main" xmlns:r="http://schemas.openxmlformats.org/officeDocument/2006/relationships">
   <c:date1904 val="0"/>
   <c:chart>
@@ -6455,7 +6455,7 @@
               <c:strCache>
                 <c:ptCount val="1"/>
                 <c:pt idx="0">
-                  <c:v>乳腺外科</c:v>
+                  <c:v>放疗科</c:v>
                 </c:pt>
               </c:strCache>
             </c:strRef>
@@ -6535,40 +6535,40 @@
                 <c:formatCode>General</c:formatCode>
                 <c:ptCount val="12"/>
                 <c:pt idx="0">
-                  <c:v>0.218696607273615</c:v>
+                  <c:v>0.193637621023513</c:v>
                 </c:pt>
                 <c:pt idx="1">
-                  <c:v>0.532679738562092</c:v>
+                  <c:v>0.592592592592593</c:v>
                 </c:pt>
                 <c:pt idx="2">
-                  <c:v>0.789473684210526</c:v>
+                  <c:v>0.565217391304348</c:v>
                 </c:pt>
                 <c:pt idx="3">
-                  <c:v>0.125</c:v>
+                  <c:v>0</c:v>
                 </c:pt>
                 <c:pt idx="4">
-                  <c:v>0.884420757967269</c:v>
+                  <c:v>0.907945736434109</c:v>
                 </c:pt>
                 <c:pt idx="5">
-                  <c:v>0.881913592170498</c:v>
+                  <c:v>0.761483484643616</c:v>
                 </c:pt>
                 <c:pt idx="6">
-                  <c:v>0.365258992504502</c:v>
+                  <c:v>0.532343188080893</c:v>
                 </c:pt>
                 <c:pt idx="7">
-                  <c:v>0.34099804454068</c:v>
+                  <c:v>0.0801050157218305</c:v>
                 </c:pt>
                 <c:pt idx="8">
-                  <c:v>0.222041804440246</c:v>
+                  <c:v>0.475036317761297</c:v>
                 </c:pt>
                 <c:pt idx="9">
-                  <c:v>0.994603174603175</c:v>
+                  <c:v>0.975238095238095</c:v>
                 </c:pt>
                 <c:pt idx="10">
-                  <c:v>0.705010219697826</c:v>
+                  <c:v>0.438258239681067</c:v>
                 </c:pt>
                 <c:pt idx="11">
-                  <c:v>0.99391300044539</c:v>
+                  <c:v>0.938897168405365</c:v>
                 </c:pt>
               </c:numCache>
             </c:numRef>
@@ -6722,7 +6722,7 @@
 </c:chartSpace>
 </file>
 
-<file path=ppt/charts/chart357.xml><?xml version="1.0" encoding="utf-8"?>
+<file path=ppt/charts/chart30.xml><?xml version="1.0" encoding="utf-8"?>
 <c:chartSpace xmlns:c="http://schemas.openxmlformats.org/drawingml/2006/chart" xmlns:a="http://schemas.openxmlformats.org/drawingml/2006/main" xmlns:r="http://schemas.openxmlformats.org/officeDocument/2006/relationships">
   <c:date1904 val="0"/>
   <c:chart>
@@ -6741,7 +6741,7 @@
               <c:strCache>
                 <c:ptCount val="1"/>
                 <c:pt idx="0">
-                  <c:v>肾脏内科</c:v>
+                  <c:v>心胸外科</c:v>
                 </c:pt>
               </c:strCache>
             </c:strRef>
@@ -6821,40 +6821,40 @@
                 <c:formatCode>General</c:formatCode>
                 <c:ptCount val="12"/>
                 <c:pt idx="0">
-                  <c:v>0.570105181897134</c:v>
+                  <c:v>0.44422748352453</c:v>
                 </c:pt>
                 <c:pt idx="1">
-                  <c:v>0.758397932816537</c:v>
+                  <c:v>0.350694444444444</c:v>
                 </c:pt>
                 <c:pt idx="2">
-                  <c:v>0.753086419753086</c:v>
+                  <c:v>0</c:v>
                 </c:pt>
                 <c:pt idx="3">
-                  <c:v>0.5</c:v>
+                  <c:v>0</c:v>
                 </c:pt>
                 <c:pt idx="4">
-                  <c:v>0.727273901808786</c:v>
+                  <c:v>0.778318304065812</c:v>
                 </c:pt>
                 <c:pt idx="5">
-                  <c:v>0.989128839096002</c:v>
+                  <c:v>0.931206711001959</c:v>
                 </c:pt>
                 <c:pt idx="6">
-                  <c:v>0.545094507707801</c:v>
+                  <c:v>0.389031082826047</c:v>
                 </c:pt>
                 <c:pt idx="7">
-                  <c:v>0.0587351685260511</c:v>
+                  <c:v>0.709939311120936</c:v>
                 </c:pt>
                 <c:pt idx="8">
-                  <c:v>0.0212085179980543</c:v>
+                  <c:v>0.984688053700423</c:v>
                 </c:pt>
                 <c:pt idx="9">
-                  <c:v>0.956190476190476</c:v>
+                  <c:v>0.809523809523809</c:v>
                 </c:pt>
                 <c:pt idx="10">
-                  <c:v>0.554109901385168</c:v>
+                  <c:v>0.484949776028234</c:v>
                 </c:pt>
                 <c:pt idx="11">
-                  <c:v>0.966218071958253</c:v>
+                  <c:v>0.939666448659255</c:v>
                 </c:pt>
               </c:numCache>
             </c:numRef>
@@ -7008,7 +7008,7 @@
 </c:chartSpace>
 </file>
 
-<file path=ppt/charts/chart358.xml><?xml version="1.0" encoding="utf-8"?>
+<file path=ppt/charts/chart31.xml><?xml version="1.0" encoding="utf-8"?>
 <c:chartSpace xmlns:c="http://schemas.openxmlformats.org/drawingml/2006/chart" xmlns:a="http://schemas.openxmlformats.org/drawingml/2006/main" xmlns:r="http://schemas.openxmlformats.org/officeDocument/2006/relationships">
   <c:date1904 val="0"/>
   <c:chart>
@@ -7027,7 +7027,7 @@
               <c:strCache>
                 <c:ptCount val="1"/>
                 <c:pt idx="0">
-                  <c:v>推拿科</c:v>
+                  <c:v>周围血管科</c:v>
                 </c:pt>
               </c:strCache>
             </c:strRef>
@@ -7107,37 +7107,37 @@
                 <c:formatCode>General</c:formatCode>
                 <c:ptCount val="12"/>
                 <c:pt idx="0">
-                  <c:v>0.315352697095436</c:v>
+                  <c:v>0.246887966804979</c:v>
                 </c:pt>
                 <c:pt idx="1">
-                  <c:v>0.0277777777777778</c:v>
+                  <c:v>0.236111111111111</c:v>
                 </c:pt>
                 <c:pt idx="2">
-                  <c:v>0.866666666666667</c:v>
+                  <c:v>0.578947368421053</c:v>
                 </c:pt>
                 <c:pt idx="3">
-                  <c:v>0.125</c:v>
+                  <c:v>0</c:v>
                 </c:pt>
                 <c:pt idx="4">
-                  <c:v>0.894444444444444</c:v>
+                  <c:v>0.662790697674419</c:v>
                 </c:pt>
                 <c:pt idx="5">
                   <c:v>0.995943596677613</c:v>
                 </c:pt>
                 <c:pt idx="6">
-                  <c:v>0.50017392168555</c:v>
+                  <c:v>0</c:v>
                 </c:pt>
                 <c:pt idx="7">
+                  <c:v>0.651859926420493</c:v>
+                </c:pt>
+                <c:pt idx="8">
+                  <c:v>0.0257126681414538</c:v>
+                </c:pt>
+                <c:pt idx="9">
                   <c:v>0</c:v>
                 </c:pt>
-                <c:pt idx="8">
-                  <c:v>0</c:v>
-                </c:pt>
-                <c:pt idx="9">
+                <c:pt idx="10">
                   <c:v>1</c:v>
-                </c:pt>
-                <c:pt idx="10">
-                  <c:v>0.709704548778704</c:v>
                 </c:pt>
                 <c:pt idx="11">
                   <c:v>1</c:v>
@@ -7294,7 +7294,7 @@
 </c:chartSpace>
 </file>
 
-<file path=ppt/charts/chart359.xml><?xml version="1.0" encoding="utf-8"?>
+<file path=ppt/charts/chart32.xml><?xml version="1.0" encoding="utf-8"?>
 <c:chartSpace xmlns:c="http://schemas.openxmlformats.org/drawingml/2006/chart" xmlns:a="http://schemas.openxmlformats.org/drawingml/2006/main" xmlns:r="http://schemas.openxmlformats.org/officeDocument/2006/relationships">
   <c:date1904 val="0"/>
   <c:chart>
@@ -7313,7 +7313,7 @@
               <c:strCache>
                 <c:ptCount val="1"/>
                 <c:pt idx="0">
-                  <c:v>脾胃病</c:v>
+                  <c:v>血液科</c:v>
                 </c:pt>
               </c:strCache>
             </c:strRef>
@@ -7393,40 +7393,40 @@
                 <c:formatCode>General</c:formatCode>
                 <c:ptCount val="12"/>
                 <c:pt idx="0">
-                  <c:v>0.755186721991701</c:v>
+                  <c:v>0.486514522821577</c:v>
                 </c:pt>
                 <c:pt idx="1">
-                  <c:v>0.444444444444444</c:v>
+                  <c:v>0.786111111111111</c:v>
                 </c:pt>
                 <c:pt idx="2">
-                  <c:v>0.764705882352941</c:v>
+                  <c:v>0.75</c:v>
                 </c:pt>
                 <c:pt idx="3">
-                  <c:v>0.5</c:v>
+                  <c:v>0.25</c:v>
                 </c:pt>
                 <c:pt idx="4">
-                  <c:v>0.763972868217054</c:v>
+                  <c:v>0.6609334625323</c:v>
                 </c:pt>
                 <c:pt idx="5">
-                  <c:v>0.936233339772069</c:v>
+                  <c:v>0.964844504539308</c:v>
                 </c:pt>
                 <c:pt idx="6">
-                  <c:v>0.434676927214241</c:v>
+                  <c:v>0.634650445270318</c:v>
                 </c:pt>
                 <c:pt idx="7">
-                  <c:v>0.00692295731068348</c:v>
+                  <c:v>0.00782224757209861</c:v>
                 </c:pt>
                 <c:pt idx="8">
-                  <c:v>0.256269592476489</c:v>
+                  <c:v>0.192202194357367</c:v>
                 </c:pt>
                 <c:pt idx="9">
-                  <c:v>1</c:v>
+                  <c:v>0.798888888888889</c:v>
                 </c:pt>
                 <c:pt idx="10">
-                  <c:v>0.709704548778704</c:v>
+                  <c:v>0.558229132625858</c:v>
                 </c:pt>
                 <c:pt idx="11">
-                  <c:v>0.888181818181818</c:v>
+                  <c:v>0.949034557056435</c:v>
                 </c:pt>
               </c:numCache>
             </c:numRef>
@@ -7580,7 +7580,7 @@
 </c:chartSpace>
 </file>
 
-<file path=ppt/charts/chart360.xml><?xml version="1.0" encoding="utf-8"?>
+<file path=ppt/charts/chart33.xml><?xml version="1.0" encoding="utf-8"?>
 <c:chartSpace xmlns:c="http://schemas.openxmlformats.org/drawingml/2006/chart" xmlns:a="http://schemas.openxmlformats.org/drawingml/2006/main" xmlns:r="http://schemas.openxmlformats.org/officeDocument/2006/relationships">
   <c:date1904 val="0"/>
   <c:chart>
@@ -7599,7 +7599,7 @@
               <c:strCache>
                 <c:ptCount val="1"/>
                 <c:pt idx="0">
-                  <c:v>消化内镜</c:v>
+                  <c:v>眼科</c:v>
                 </c:pt>
               </c:strCache>
             </c:strRef>
@@ -7679,40 +7679,40 @@
                 <c:formatCode>General</c:formatCode>
                 <c:ptCount val="12"/>
                 <c:pt idx="0">
-                  <c:v>0</c:v>
+                  <c:v>0.613375640712717</c:v>
                 </c:pt>
                 <c:pt idx="1">
-                  <c:v>0.222222222222222</c:v>
+                  <c:v>0.694444444444444</c:v>
                 </c:pt>
                 <c:pt idx="2">
-                  <c:v>0.7</c:v>
+                  <c:v>0.612903225806452</c:v>
                 </c:pt>
                 <c:pt idx="3">
-                  <c:v>0</c:v>
+                  <c:v>0.375</c:v>
                 </c:pt>
                 <c:pt idx="4">
-                  <c:v>0.780038759689922</c:v>
+                  <c:v>0.8736119840771</c:v>
                 </c:pt>
                 <c:pt idx="5">
-                  <c:v>0.79782031861574</c:v>
+                  <c:v>0.965685020543046</c:v>
                 </c:pt>
                 <c:pt idx="6">
-                  <c:v>0.246773127370142</c:v>
+                  <c:v>0.443915919180937</c:v>
                 </c:pt>
                 <c:pt idx="7">
-                  <c:v>0.0708291958187731</c:v>
+                  <c:v>0.992129137420015</c:v>
                 </c:pt>
                 <c:pt idx="8">
-                  <c:v>0.835509082320608</c:v>
+                  <c:v>0.139486741984656</c:v>
                 </c:pt>
                 <c:pt idx="9">
                   <c:v>1</c:v>
                 </c:pt>
                 <c:pt idx="10">
-                  <c:v>0.709704548778704</c:v>
+                  <c:v>0.49540868862157</c:v>
                 </c:pt>
                 <c:pt idx="11">
-                  <c:v>0.776363636363636</c:v>
+                  <c:v>1</c:v>
                 </c:pt>
               </c:numCache>
             </c:numRef>
@@ -7866,7 +7866,7 @@
 </c:chartSpace>
 </file>
 
-<file path=ppt/charts/chart361.xml><?xml version="1.0" encoding="utf-8"?>
+<file path=ppt/charts/chart34.xml><?xml version="1.0" encoding="utf-8"?>
 <c:chartSpace xmlns:c="http://schemas.openxmlformats.org/drawingml/2006/chart" xmlns:a="http://schemas.openxmlformats.org/drawingml/2006/main" xmlns:r="http://schemas.openxmlformats.org/officeDocument/2006/relationships">
   <c:date1904 val="0"/>
   <c:chart>
@@ -7885,7 +7885,7 @@
               <c:strCache>
                 <c:ptCount val="1"/>
                 <c:pt idx="0">
-                  <c:v>心血管内科</c:v>
+                  <c:v>针灸康复科</c:v>
                 </c:pt>
               </c:strCache>
             </c:strRef>
@@ -7965,40 +7965,40 @@
                 <c:formatCode>General</c:formatCode>
                 <c:ptCount val="12"/>
                 <c:pt idx="0">
-                  <c:v>0.519404442274835</c:v>
+                  <c:v>0.63338241199304</c:v>
                 </c:pt>
                 <c:pt idx="1">
-                  <c:v>0.820261437908497</c:v>
+                  <c:v>0.421921921921922</c:v>
                 </c:pt>
                 <c:pt idx="2">
-                  <c:v>0.815384615384616</c:v>
+                  <c:v>0.575757575757576</c:v>
                 </c:pt>
                 <c:pt idx="3">
-                  <c:v>0.875</c:v>
+                  <c:v>0.625</c:v>
                 </c:pt>
                 <c:pt idx="4">
-                  <c:v>0.780330784750982</c:v>
+                  <c:v>0.894712936046511</c:v>
                 </c:pt>
                 <c:pt idx="5">
-                  <c:v>0.975494878559276</c:v>
+                  <c:v>0.998225323546455</c:v>
                 </c:pt>
                 <c:pt idx="6">
-                  <c:v>0.615762781683245</c:v>
+                  <c:v>0.480993429601567</c:v>
                 </c:pt>
                 <c:pt idx="7">
-                  <c:v>0.0923751918230064</c:v>
+                  <c:v>0</c:v>
                 </c:pt>
                 <c:pt idx="8">
-                  <c:v>1</c:v>
+                  <c:v>0</c:v>
                 </c:pt>
                 <c:pt idx="9">
-                  <c:v>1</c:v>
+                  <c:v>0.999853968253968</c:v>
                 </c:pt>
                 <c:pt idx="10">
-                  <c:v>0.71456611724251</c:v>
+                  <c:v>0</c:v>
                 </c:pt>
                 <c:pt idx="11">
-                  <c:v>0.982109090909091</c:v>
+                  <c:v>0.968074751800662</c:v>
                 </c:pt>
               </c:numCache>
             </c:numRef>
@@ -8152,7 +8152,7 @@
 </c:chartSpace>
 </file>
 
-<file path=ppt/charts/chart362.xml><?xml version="1.0" encoding="utf-8"?>
+<file path=ppt/charts/chart35.xml><?xml version="1.0" encoding="utf-8"?>
 <c:chartSpace xmlns:c="http://schemas.openxmlformats.org/drawingml/2006/chart" xmlns:a="http://schemas.openxmlformats.org/drawingml/2006/main" xmlns:r="http://schemas.openxmlformats.org/officeDocument/2006/relationships">
   <c:date1904 val="0"/>
   <c:chart>
@@ -8171,7 +8171,7 @@
               <c:strCache>
                 <c:ptCount val="1"/>
                 <c:pt idx="0">
-                  <c:v>肿瘤外科</c:v>
+                  <c:v>整形外科</c:v>
                 </c:pt>
               </c:strCache>
             </c:strRef>
@@ -8251,40 +8251,40 @@
                 <c:formatCode>General</c:formatCode>
                 <c:ptCount val="12"/>
                 <c:pt idx="0">
-                  <c:v>0.29045643153527</c:v>
+                  <c:v>0.0871369294605809</c:v>
                 </c:pt>
                 <c:pt idx="1">
-                  <c:v>0.327777777777778</c:v>
+                  <c:v>0.694444444444444</c:v>
                 </c:pt>
                 <c:pt idx="2">
-                  <c:v>0.636363636363636</c:v>
+                  <c:v>0.777777777777778</c:v>
                 </c:pt>
                 <c:pt idx="3">
                   <c:v>0.125</c:v>
                 </c:pt>
                 <c:pt idx="4">
-                  <c:v>0.653875968992248</c:v>
+                  <c:v>0.837984496124031</c:v>
                 </c:pt>
                 <c:pt idx="5">
-                  <c:v>0.973552250338034</c:v>
+                  <c:v>0.742824029360634</c:v>
                 </c:pt>
                 <c:pt idx="6">
-                  <c:v>0.504994828243236</c:v>
+                  <c:v>0.0146011396011396</c:v>
                 </c:pt>
                 <c:pt idx="7">
-                  <c:v>0.292865530370423</c:v>
+                  <c:v>1</c:v>
                 </c:pt>
                 <c:pt idx="8">
-                  <c:v>0.876816646109294</c:v>
+                  <c:v>0.11739724348085</c:v>
                 </c:pt>
                 <c:pt idx="9">
                   <c:v>1</c:v>
                 </c:pt>
                 <c:pt idx="10">
-                  <c:v>0.269153013126093</c:v>
+                  <c:v>0.96175642033543</c:v>
                 </c:pt>
                 <c:pt idx="11">
-                  <c:v>0.992877822814129</c:v>
+                  <c:v>0.970927272727273</c:v>
                 </c:pt>
               </c:numCache>
             </c:numRef>
@@ -8438,7 +8438,7 @@
 </c:chartSpace>
 </file>
 
-<file path=ppt/charts/chart363.xml><?xml version="1.0" encoding="utf-8"?>
+<file path=ppt/charts/chart36.xml><?xml version="1.0" encoding="utf-8"?>
 <c:chartSpace xmlns:c="http://schemas.openxmlformats.org/drawingml/2006/chart" xmlns:a="http://schemas.openxmlformats.org/drawingml/2006/main" xmlns:r="http://schemas.openxmlformats.org/officeDocument/2006/relationships">
   <c:date1904 val="0"/>
   <c:chart>
@@ -8457,7 +8457,7 @@
               <c:strCache>
                 <c:ptCount val="1"/>
                 <c:pt idx="0">
-                  <c:v>心胸外科</c:v>
+                  <c:v>肿瘤内科</c:v>
                 </c:pt>
               </c:strCache>
             </c:strRef>
@@ -8537,40 +8537,40 @@
                 <c:formatCode>General</c:formatCode>
                 <c:ptCount val="12"/>
                 <c:pt idx="0">
-                  <c:v>0.44422748352453</c:v>
+                  <c:v>0.554101500159591</c:v>
                 </c:pt>
                 <c:pt idx="1">
-                  <c:v>0.350694444444444</c:v>
+                  <c:v>0.623931623931624</c:v>
                 </c:pt>
                 <c:pt idx="2">
-                  <c:v>0</c:v>
+                  <c:v>0.642857142857143</c:v>
                 </c:pt>
                 <c:pt idx="3">
-                  <c:v>0</c:v>
+                  <c:v>0.5</c:v>
                 </c:pt>
                 <c:pt idx="4">
-                  <c:v>0.778318304065812</c:v>
+                  <c:v>0.720418050941307</c:v>
                 </c:pt>
                 <c:pt idx="5">
-                  <c:v>0.931206711001959</c:v>
+                  <c:v>0.958624686111648</c:v>
                 </c:pt>
                 <c:pt idx="6">
-                  <c:v>0.389031082826047</c:v>
+                  <c:v>0.537247901692801</c:v>
                 </c:pt>
                 <c:pt idx="7">
-                  <c:v>0.709939311120936</c:v>
+                  <c:v>0.0686427813484807</c:v>
                 </c:pt>
                 <c:pt idx="8">
-                  <c:v>0.984688053700423</c:v>
+                  <c:v>0.543651787234469</c:v>
                 </c:pt>
                 <c:pt idx="9">
-                  <c:v>0.809523809523809</c:v>
+                  <c:v>0.966825396825397</c:v>
                 </c:pt>
                 <c:pt idx="10">
-                  <c:v>0.484949776028234</c:v>
+                  <c:v>0.782013941664127</c:v>
                 </c:pt>
                 <c:pt idx="11">
-                  <c:v>0.939666448659255</c:v>
+                  <c:v>0.993141391423951</c:v>
                 </c:pt>
               </c:numCache>
             </c:numRef>
@@ -8724,7 +8724,7 @@
 </c:chartSpace>
 </file>
 
-<file path=ppt/charts/chart364.xml><?xml version="1.0" encoding="utf-8"?>
+<file path=ppt/charts/chart37.xml><?xml version="1.0" encoding="utf-8"?>
 <c:chartSpace xmlns:c="http://schemas.openxmlformats.org/drawingml/2006/chart" xmlns:a="http://schemas.openxmlformats.org/drawingml/2006/main" xmlns:r="http://schemas.openxmlformats.org/officeDocument/2006/relationships">
   <c:date1904 val="0"/>
   <c:chart>
@@ -8743,7 +8743,7 @@
               <c:strCache>
                 <c:ptCount val="1"/>
                 <c:pt idx="0">
-                  <c:v>周围血管科</c:v>
+                  <c:v>重症医学科</c:v>
                 </c:pt>
               </c:strCache>
             </c:strRef>
@@ -8823,40 +8823,40 @@
                 <c:formatCode>General</c:formatCode>
                 <c:ptCount val="12"/>
                 <c:pt idx="0">
-                  <c:v>0.246887966804979</c:v>
+                  <c:v>0.272111814806726</c:v>
                 </c:pt>
                 <c:pt idx="1">
-                  <c:v>0.236111111111111</c:v>
+                  <c:v>1</c:v>
                 </c:pt>
                 <c:pt idx="2">
-                  <c:v>0.578947368421053</c:v>
+                  <c:v>0.55223880597015</c:v>
                 </c:pt>
                 <c:pt idx="3">
+                  <c:v>0.125</c:v>
+                </c:pt>
+                <c:pt idx="4">
+                  <c:v>0.789590254706534</c:v>
+                </c:pt>
+                <c:pt idx="5">
                   <c:v>0</c:v>
                 </c:pt>
-                <c:pt idx="4">
-                  <c:v>0.662790697674419</c:v>
-                </c:pt>
-                <c:pt idx="5">
-                  <c:v>0.995943596677613</c:v>
-                </c:pt>
                 <c:pt idx="6">
+                  <c:v>1</c:v>
+                </c:pt>
+                <c:pt idx="7">
+                  <c:v>0.13952854612345</c:v>
+                </c:pt>
+                <c:pt idx="8">
+                  <c:v>0.928977272727273</c:v>
+                </c:pt>
+                <c:pt idx="9">
+                  <c:v>0.664761904761905</c:v>
+                </c:pt>
+                <c:pt idx="10">
+                  <c:v>0.343329754052258</c:v>
+                </c:pt>
+                <c:pt idx="11">
                   <c:v>0</c:v>
-                </c:pt>
-                <c:pt idx="7">
-                  <c:v>0.651859926420493</c:v>
-                </c:pt>
-                <c:pt idx="8">
-                  <c:v>0.0257126681414538</c:v>
-                </c:pt>
-                <c:pt idx="9">
-                  <c:v>0</c:v>
-                </c:pt>
-                <c:pt idx="10">
-                  <c:v>1</c:v>
-                </c:pt>
-                <c:pt idx="11">
-                  <c:v>1</c:v>
                 </c:pt>
               </c:numCache>
             </c:numRef>
@@ -9010,7 +9010,7 @@
 </c:chartSpace>
 </file>
 
-<file path=ppt/charts/chart365.xml><?xml version="1.0" encoding="utf-8"?>
+<file path=ppt/charts/chart4.xml><?xml version="1.0" encoding="utf-8"?>
 <c:chartSpace xmlns:c="http://schemas.openxmlformats.org/drawingml/2006/chart" xmlns:a="http://schemas.openxmlformats.org/drawingml/2006/main" xmlns:r="http://schemas.openxmlformats.org/officeDocument/2006/relationships">
   <c:date1904 val="0"/>
   <c:chart>
@@ -9029,7 +9029,7 @@
               <c:strCache>
                 <c:ptCount val="1"/>
                 <c:pt idx="0">
-                  <c:v>血液科</c:v>
+                  <c:v>风湿科</c:v>
                 </c:pt>
               </c:strCache>
             </c:strRef>
@@ -9109,40 +9109,40 @@
                 <c:formatCode>General</c:formatCode>
                 <c:ptCount val="12"/>
                 <c:pt idx="0">
-                  <c:v>0.486514522821577</c:v>
+                  <c:v>0.619640387275242</c:v>
                 </c:pt>
                 <c:pt idx="1">
-                  <c:v>0.786111111111111</c:v>
+                  <c:v>1</c:v>
                 </c:pt>
                 <c:pt idx="2">
-                  <c:v>0.75</c:v>
+                  <c:v>1</c:v>
                 </c:pt>
                 <c:pt idx="3">
-                  <c:v>0.25</c:v>
+                  <c:v>0.625</c:v>
                 </c:pt>
                 <c:pt idx="4">
-                  <c:v>0.6609334625323</c:v>
+                  <c:v>0.78937984496124</c:v>
                 </c:pt>
                 <c:pt idx="5">
-                  <c:v>0.964844504539308</c:v>
+                  <c:v>0.883986864979718</c:v>
                 </c:pt>
                 <c:pt idx="6">
-                  <c:v>0.634650445270318</c:v>
+                  <c:v>0.516397138699297</c:v>
                 </c:pt>
                 <c:pt idx="7">
-                  <c:v>0.00782224757209861</c:v>
+                  <c:v>0.00600190238870356</c:v>
                 </c:pt>
                 <c:pt idx="8">
-                  <c:v>0.192202194357367</c:v>
+                  <c:v>0</c:v>
                 </c:pt>
                 <c:pt idx="9">
-                  <c:v>0.798888888888889</c:v>
+                  <c:v>0.972063492063492</c:v>
                 </c:pt>
                 <c:pt idx="10">
-                  <c:v>0.558229132625858</c:v>
+                  <c:v>0.809827609610425</c:v>
                 </c:pt>
                 <c:pt idx="11">
-                  <c:v>0.949034557056435</c:v>
+                  <c:v>0.964246784390669</c:v>
                 </c:pt>
               </c:numCache>
             </c:numRef>
@@ -9296,7 +9296,7 @@
 </c:chartSpace>
 </file>
 
-<file path=ppt/charts/chart366.xml><?xml version="1.0" encoding="utf-8"?>
+<file path=ppt/charts/chart5.xml><?xml version="1.0" encoding="utf-8"?>
 <c:chartSpace xmlns:c="http://schemas.openxmlformats.org/drawingml/2006/chart" xmlns:a="http://schemas.openxmlformats.org/drawingml/2006/main" xmlns:r="http://schemas.openxmlformats.org/officeDocument/2006/relationships">
   <c:date1904 val="0"/>
   <c:chart>
@@ -9315,7 +9315,7 @@
               <c:strCache>
                 <c:ptCount val="1"/>
                 <c:pt idx="0">
-                  <c:v>眼科</c:v>
+                  <c:v>妇科</c:v>
                 </c:pt>
               </c:strCache>
             </c:strRef>
@@ -9395,40 +9395,40 @@
                 <c:formatCode>General</c:formatCode>
                 <c:ptCount val="12"/>
                 <c:pt idx="0">
-                  <c:v>0.613375640712717</c:v>
+                  <c:v>0.377593360995851</c:v>
                 </c:pt>
                 <c:pt idx="1">
-                  <c:v>0.694444444444444</c:v>
+                  <c:v>0.490740740740741</c:v>
                 </c:pt>
                 <c:pt idx="2">
-                  <c:v>0.612903225806452</c:v>
+                  <c:v>0.692307692307692</c:v>
                 </c:pt>
                 <c:pt idx="3">
-                  <c:v>0.375</c:v>
+                  <c:v>1</c:v>
                 </c:pt>
                 <c:pt idx="4">
-                  <c:v>0.8736119840771</c:v>
+                  <c:v>0.83172480620155</c:v>
                 </c:pt>
                 <c:pt idx="5">
-                  <c:v>0.965685020543046</c:v>
+                  <c:v>0.954892795055051</c:v>
                 </c:pt>
                 <c:pt idx="6">
-                  <c:v>0.443915919180937</c:v>
+                  <c:v>0.425274288683109</c:v>
                 </c:pt>
                 <c:pt idx="7">
-                  <c:v>0.992129137420015</c:v>
+                  <c:v>0.694713712120708</c:v>
                 </c:pt>
                 <c:pt idx="8">
-                  <c:v>0.139486741984656</c:v>
+                  <c:v>0.219201521131896</c:v>
                 </c:pt>
                 <c:pt idx="9">
-                  <c:v>1</c:v>
+                  <c:v>0.972063492063492</c:v>
                 </c:pt>
                 <c:pt idx="10">
-                  <c:v>0.49540868862157</c:v>
+                  <c:v>0.809827609610425</c:v>
                 </c:pt>
                 <c:pt idx="11">
-                  <c:v>1</c:v>
+                  <c:v>0.852428602572488</c:v>
                 </c:pt>
               </c:numCache>
             </c:numRef>
@@ -9582,7 +9582,7 @@
 </c:chartSpace>
 </file>
 
-<file path=ppt/charts/chart367.xml><?xml version="1.0" encoding="utf-8"?>
+<file path=ppt/charts/chart6.xml><?xml version="1.0" encoding="utf-8"?>
 <c:chartSpace xmlns:c="http://schemas.openxmlformats.org/drawingml/2006/chart" xmlns:a="http://schemas.openxmlformats.org/drawingml/2006/main" xmlns:r="http://schemas.openxmlformats.org/officeDocument/2006/relationships">
   <c:date1904 val="0"/>
   <c:chart>
@@ -9601,7 +9601,7 @@
               <c:strCache>
                 <c:ptCount val="1"/>
                 <c:pt idx="0">
-                  <c:v>针灸康复科</c:v>
+                  <c:v>生殖医学科</c:v>
                 </c:pt>
               </c:strCache>
             </c:strRef>
@@ -9681,40 +9681,40 @@
                 <c:formatCode>General</c:formatCode>
                 <c:ptCount val="12"/>
                 <c:pt idx="0">
-                  <c:v>0.63338241199304</c:v>
+                  <c:v>0.331462045399072</c:v>
                 </c:pt>
                 <c:pt idx="1">
-                  <c:v>0.421921921921922</c:v>
+                  <c:v>0.640522875816994</c:v>
                 </c:pt>
                 <c:pt idx="2">
-                  <c:v>0.575757575757576</c:v>
+                  <c:v>1</c:v>
                 </c:pt>
                 <c:pt idx="3">
-                  <c:v>0.625</c:v>
+                  <c:v>0.125</c:v>
                 </c:pt>
                 <c:pt idx="4">
-                  <c:v>0.894712936046511</c:v>
+                  <c:v>0.715654608096469</c:v>
                 </c:pt>
                 <c:pt idx="5">
-                  <c:v>0.998225323546455</c:v>
+                  <c:v>0.954478140493207</c:v>
                 </c:pt>
                 <c:pt idx="6">
-                  <c:v>0.480993429601567</c:v>
+                  <c:v>0</c:v>
                 </c:pt>
                 <c:pt idx="7">
-                  <c:v>0</c:v>
+                  <c:v>0.694713712120708</c:v>
                 </c:pt>
                 <c:pt idx="8">
-                  <c:v>0</c:v>
+                  <c:v>0.102594414555621</c:v>
                 </c:pt>
                 <c:pt idx="9">
-                  <c:v>0.999853968253968</c:v>
+                  <c:v>0.972063492063492</c:v>
                 </c:pt>
                 <c:pt idx="10">
-                  <c:v>0</c:v>
+                  <c:v>0.809827609610425</c:v>
                 </c:pt>
                 <c:pt idx="11">
-                  <c:v>0.968074751800662</c:v>
+                  <c:v>0.740610420754306</c:v>
                 </c:pt>
               </c:numCache>
             </c:numRef>
@@ -9868,7 +9868,7 @@
 </c:chartSpace>
 </file>
 
-<file path=ppt/charts/chart368.xml><?xml version="1.0" encoding="utf-8"?>
+<file path=ppt/charts/chart7.xml><?xml version="1.0" encoding="utf-8"?>
 <c:chartSpace xmlns:c="http://schemas.openxmlformats.org/drawingml/2006/chart" xmlns:a="http://schemas.openxmlformats.org/drawingml/2006/main" xmlns:r="http://schemas.openxmlformats.org/officeDocument/2006/relationships">
   <c:date1904 val="0"/>
   <c:chart>
@@ -9887,7 +9887,7 @@
               <c:strCache>
                 <c:ptCount val="1"/>
                 <c:pt idx="0">
-                  <c:v>整形外科</c:v>
+                  <c:v>感染科</c:v>
                 </c:pt>
               </c:strCache>
             </c:strRef>
@@ -9967,40 +9967,40 @@
                 <c:formatCode>General</c:formatCode>
                 <c:ptCount val="12"/>
                 <c:pt idx="0">
-                  <c:v>0.0871369294605809</c:v>
+                  <c:v>0.326763485477178</c:v>
                 </c:pt>
                 <c:pt idx="1">
-                  <c:v>0.694444444444444</c:v>
+                  <c:v>0.126984126984127</c:v>
                 </c:pt>
                 <c:pt idx="2">
-                  <c:v>0.777777777777778</c:v>
+                  <c:v>0.583333333333333</c:v>
                 </c:pt>
                 <c:pt idx="3">
-                  <c:v>0.125</c:v>
+                  <c:v>0.25</c:v>
                 </c:pt>
                 <c:pt idx="4">
-                  <c:v>0.837984496124031</c:v>
+                  <c:v>0.74402975743936</c:v>
                 </c:pt>
                 <c:pt idx="5">
-                  <c:v>0.742824029360634</c:v>
+                  <c:v>0.953809342812813</c:v>
                 </c:pt>
                 <c:pt idx="6">
-                  <c:v>0.0146011396011396</c:v>
+                  <c:v>0.43006993006993</c:v>
                 </c:pt>
                 <c:pt idx="7">
-                  <c:v>1</c:v>
+                  <c:v>0.0117013712544439</c:v>
                 </c:pt>
                 <c:pt idx="8">
-                  <c:v>0.11739724348085</c:v>
+                  <c:v>0</c:v>
                 </c:pt>
                 <c:pt idx="9">
                   <c:v>1</c:v>
                 </c:pt>
                 <c:pt idx="10">
-                  <c:v>0.96175642033543</c:v>
+                  <c:v>0.786392224128073</c:v>
                 </c:pt>
                 <c:pt idx="11">
-                  <c:v>0.970927272727273</c:v>
+                  <c:v>1</c:v>
                 </c:pt>
               </c:numCache>
             </c:numRef>
@@ -10154,7 +10154,7 @@
 </c:chartSpace>
 </file>
 
-<file path=ppt/charts/chart369.xml><?xml version="1.0" encoding="utf-8"?>
+<file path=ppt/charts/chart8.xml><?xml version="1.0" encoding="utf-8"?>
 <c:chartSpace xmlns:c="http://schemas.openxmlformats.org/drawingml/2006/chart" xmlns:a="http://schemas.openxmlformats.org/drawingml/2006/main" xmlns:r="http://schemas.openxmlformats.org/officeDocument/2006/relationships">
   <c:date1904 val="0"/>
   <c:chart>
@@ -10173,7 +10173,7 @@
               <c:strCache>
                 <c:ptCount val="1"/>
                 <c:pt idx="0">
-                  <c:v>肿瘤内科</c:v>
+                  <c:v>肛肠科</c:v>
                 </c:pt>
               </c:strCache>
             </c:strRef>
@@ -10253,40 +10253,40 @@
                 <c:formatCode>General</c:formatCode>
                 <c:ptCount val="12"/>
                 <c:pt idx="0">
-                  <c:v>0.554101500159591</c:v>
+                  <c:v>0.917842323651452</c:v>
                 </c:pt>
                 <c:pt idx="1">
-                  <c:v>0.623931623931624</c:v>
+                  <c:v>0.584444444444445</c:v>
                 </c:pt>
                 <c:pt idx="2">
-                  <c:v>0.642857142857143</c:v>
+                  <c:v>0.6</c:v>
                 </c:pt>
                 <c:pt idx="3">
-                  <c:v>0.5</c:v>
+                  <c:v>0.75</c:v>
                 </c:pt>
                 <c:pt idx="4">
-                  <c:v>0.720418050941307</c:v>
+                  <c:v>0.763081395348837</c:v>
                 </c:pt>
                 <c:pt idx="5">
-                  <c:v>0.958624686111648</c:v>
+                  <c:v>0.981212447769995</c:v>
                 </c:pt>
                 <c:pt idx="6">
-                  <c:v>0.537247901692801</c:v>
+                  <c:v>0.375231696014829</c:v>
                 </c:pt>
                 <c:pt idx="7">
-                  <c:v>0.0686427813484807</c:v>
+                  <c:v>0.825792555697651</c:v>
                 </c:pt>
                 <c:pt idx="8">
-                  <c:v>0.543651787234469</c:v>
+                  <c:v>0.257472736103139</c:v>
                 </c:pt>
                 <c:pt idx="9">
-                  <c:v>0.966825396825397</c:v>
+                  <c:v>0.999947619047619</c:v>
                 </c:pt>
                 <c:pt idx="10">
-                  <c:v>0.782013941664127</c:v>
+                  <c:v>0.820411836023339</c:v>
                 </c:pt>
                 <c:pt idx="11">
-                  <c:v>0.993141391423951</c:v>
+                  <c:v>0.989895947426068</c:v>
                 </c:pt>
               </c:numCache>
             </c:numRef>
@@ -10440,7 +10440,7 @@
 </c:chartSpace>
 </file>
 
-<file path=ppt/charts/chart370.xml><?xml version="1.0" encoding="utf-8"?>
+<file path=ppt/charts/chart9.xml><?xml version="1.0" encoding="utf-8"?>
 <c:chartSpace xmlns:c="http://schemas.openxmlformats.org/drawingml/2006/chart" xmlns:a="http://schemas.openxmlformats.org/drawingml/2006/main" xmlns:r="http://schemas.openxmlformats.org/officeDocument/2006/relationships">
   <c:date1904 val="0"/>
   <c:chart>
@@ -10459,7 +10459,7 @@
               <c:strCache>
                 <c:ptCount val="1"/>
                 <c:pt idx="0">
-                  <c:v>重症医学科</c:v>
+                  <c:v>骨科</c:v>
                 </c:pt>
               </c:strCache>
             </c:strRef>
@@ -10539,40 +10539,40 @@
                 <c:formatCode>General</c:formatCode>
                 <c:ptCount val="12"/>
                 <c:pt idx="0">
-                  <c:v>0.272111814806726</c:v>
+                  <c:v>0.4680817108203</c:v>
                 </c:pt>
                 <c:pt idx="1">
-                  <c:v>1</c:v>
+                  <c:v>0.659188034188034</c:v>
                 </c:pt>
                 <c:pt idx="2">
-                  <c:v>0.55223880597015</c:v>
+                  <c:v>0.652173913043478</c:v>
                 </c:pt>
                 <c:pt idx="3">
-                  <c:v>0.125</c:v>
+                  <c:v>0.5</c:v>
                 </c:pt>
                 <c:pt idx="4">
-                  <c:v>0.789590254706534</c:v>
+                  <c:v>0.77422480620155</c:v>
                 </c:pt>
                 <c:pt idx="5">
+                  <c:v>0.978757256285392</c:v>
+                </c:pt>
+                <c:pt idx="6">
                   <c:v>0</c:v>
                 </c:pt>
-                <c:pt idx="6">
-                  <c:v>1</c:v>
-                </c:pt>
                 <c:pt idx="7">
-                  <c:v>0.13952854612345</c:v>
+                  <c:v>0.913940473034815</c:v>
                 </c:pt>
                 <c:pt idx="8">
-                  <c:v>0.928977272727273</c:v>
+                  <c:v>0.707888372598571</c:v>
                 </c:pt>
                 <c:pt idx="9">
-                  <c:v>0.664761904761905</c:v>
+                  <c:v>0.988888888888889</c:v>
                 </c:pt>
                 <c:pt idx="10">
-                  <c:v>0.343329754052258</c:v>
+                  <c:v>0.882331661064284</c:v>
                 </c:pt>
                 <c:pt idx="11">
-                  <c:v>0</c:v>
+                  <c:v>0.992492064783918</c:v>
                 </c:pt>
               </c:numCache>
             </c:numRef>
@@ -14850,13 +14850,6 @@
 <file path=ppt/slides/slide10.xml><?xml version="1.0" encoding="utf-8"?>
 <p:sld xmlns:a="http://schemas.openxmlformats.org/drawingml/2006/main" xmlns:r="http://schemas.openxmlformats.org/officeDocument/2006/relationships" xmlns:p="http://schemas.openxmlformats.org/presentationml/2006/main">
   <p:cSld name="Slide 10">
-    <p:bg>
-      <p:bgPr>
-        <a:solidFill>
-          <a:srgbClr val="F1F1F1"/>
-        </a:solidFill>
-      </p:bgPr>
-    </p:bg>
     <p:spTree>
       <p:nvGrpSpPr>
         <p:cNvPr id="1" name=""/>
@@ -14946,13 +14939,6 @@
 <file path=ppt/slides/slide11.xml><?xml version="1.0" encoding="utf-8"?>
 <p:sld xmlns:a="http://schemas.openxmlformats.org/drawingml/2006/main" xmlns:r="http://schemas.openxmlformats.org/officeDocument/2006/relationships" xmlns:p="http://schemas.openxmlformats.org/presentationml/2006/main">
   <p:cSld name="Slide 11">
-    <p:bg>
-      <p:bgPr>
-        <a:solidFill>
-          <a:srgbClr val="F1F1F1"/>
-        </a:solidFill>
-      </p:bgPr>
-    </p:bg>
     <p:spTree>
       <p:nvGrpSpPr>
         <p:cNvPr id="1" name=""/>
@@ -15042,13 +15028,6 @@
 <file path=ppt/slides/slide12.xml><?xml version="1.0" encoding="utf-8"?>
 <p:sld xmlns:a="http://schemas.openxmlformats.org/drawingml/2006/main" xmlns:r="http://schemas.openxmlformats.org/officeDocument/2006/relationships" xmlns:p="http://schemas.openxmlformats.org/presentationml/2006/main">
   <p:cSld name="Slide 12">
-    <p:bg>
-      <p:bgPr>
-        <a:solidFill>
-          <a:srgbClr val="F1F1F1"/>
-        </a:solidFill>
-      </p:bgPr>
-    </p:bg>
     <p:spTree>
       <p:nvGrpSpPr>
         <p:cNvPr id="1" name=""/>
@@ -15138,13 +15117,6 @@
 <file path=ppt/slides/slide13.xml><?xml version="1.0" encoding="utf-8"?>
 <p:sld xmlns:a="http://schemas.openxmlformats.org/drawingml/2006/main" xmlns:r="http://schemas.openxmlformats.org/officeDocument/2006/relationships" xmlns:p="http://schemas.openxmlformats.org/presentationml/2006/main">
   <p:cSld name="Slide 13">
-    <p:bg>
-      <p:bgPr>
-        <a:solidFill>
-          <a:srgbClr val="F1F1F1"/>
-        </a:solidFill>
-      </p:bgPr>
-    </p:bg>
     <p:spTree>
       <p:nvGrpSpPr>
         <p:cNvPr id="1" name=""/>
@@ -15234,13 +15206,6 @@
 <file path=ppt/slides/slide14.xml><?xml version="1.0" encoding="utf-8"?>
 <p:sld xmlns:a="http://schemas.openxmlformats.org/drawingml/2006/main" xmlns:r="http://schemas.openxmlformats.org/officeDocument/2006/relationships" xmlns:p="http://schemas.openxmlformats.org/presentationml/2006/main">
   <p:cSld name="Slide 14">
-    <p:bg>
-      <p:bgPr>
-        <a:solidFill>
-          <a:srgbClr val="F1F1F1"/>
-        </a:solidFill>
-      </p:bgPr>
-    </p:bg>
     <p:spTree>
       <p:nvGrpSpPr>
         <p:cNvPr id="1" name=""/>
@@ -15330,13 +15295,6 @@
 <file path=ppt/slides/slide15.xml><?xml version="1.0" encoding="utf-8"?>
 <p:sld xmlns:a="http://schemas.openxmlformats.org/drawingml/2006/main" xmlns:r="http://schemas.openxmlformats.org/officeDocument/2006/relationships" xmlns:p="http://schemas.openxmlformats.org/presentationml/2006/main">
   <p:cSld name="Slide 15">
-    <p:bg>
-      <p:bgPr>
-        <a:solidFill>
-          <a:srgbClr val="F1F1F1"/>
-        </a:solidFill>
-      </p:bgPr>
-    </p:bg>
     <p:spTree>
       <p:nvGrpSpPr>
         <p:cNvPr id="1" name=""/>
@@ -15426,13 +15384,6 @@
 <file path=ppt/slides/slide16.xml><?xml version="1.0" encoding="utf-8"?>
 <p:sld xmlns:a="http://schemas.openxmlformats.org/drawingml/2006/main" xmlns:r="http://schemas.openxmlformats.org/officeDocument/2006/relationships" xmlns:p="http://schemas.openxmlformats.org/presentationml/2006/main">
   <p:cSld name="Slide 16">
-    <p:bg>
-      <p:bgPr>
-        <a:solidFill>
-          <a:srgbClr val="F1F1F1"/>
-        </a:solidFill>
-      </p:bgPr>
-    </p:bg>
     <p:spTree>
       <p:nvGrpSpPr>
         <p:cNvPr id="1" name=""/>
@@ -15522,13 +15473,6 @@
 <file path=ppt/slides/slide17.xml><?xml version="1.0" encoding="utf-8"?>
 <p:sld xmlns:a="http://schemas.openxmlformats.org/drawingml/2006/main" xmlns:r="http://schemas.openxmlformats.org/officeDocument/2006/relationships" xmlns:p="http://schemas.openxmlformats.org/presentationml/2006/main">
   <p:cSld name="Slide 17">
-    <p:bg>
-      <p:bgPr>
-        <a:solidFill>
-          <a:srgbClr val="F1F1F1"/>
-        </a:solidFill>
-      </p:bgPr>
-    </p:bg>
     <p:spTree>
       <p:nvGrpSpPr>
         <p:cNvPr id="1" name=""/>
@@ -15618,13 +15562,6 @@
 <file path=ppt/slides/slide18.xml><?xml version="1.0" encoding="utf-8"?>
 <p:sld xmlns:a="http://schemas.openxmlformats.org/drawingml/2006/main" xmlns:r="http://schemas.openxmlformats.org/officeDocument/2006/relationships" xmlns:p="http://schemas.openxmlformats.org/presentationml/2006/main">
   <p:cSld name="Slide 18">
-    <p:bg>
-      <p:bgPr>
-        <a:solidFill>
-          <a:srgbClr val="F1F1F1"/>
-        </a:solidFill>
-      </p:bgPr>
-    </p:bg>
     <p:spTree>
       <p:nvGrpSpPr>
         <p:cNvPr id="1" name=""/>
@@ -15714,13 +15651,6 @@
 <file path=ppt/slides/slide19.xml><?xml version="1.0" encoding="utf-8"?>
 <p:sld xmlns:a="http://schemas.openxmlformats.org/drawingml/2006/main" xmlns:r="http://schemas.openxmlformats.org/officeDocument/2006/relationships" xmlns:p="http://schemas.openxmlformats.org/presentationml/2006/main">
   <p:cSld name="Slide 19">
-    <p:bg>
-      <p:bgPr>
-        <a:solidFill>
-          <a:srgbClr val="F1F1F1"/>
-        </a:solidFill>
-      </p:bgPr>
-    </p:bg>
     <p:spTree>
       <p:nvGrpSpPr>
         <p:cNvPr id="1" name=""/>
@@ -15810,13 +15740,6 @@
 <file path=ppt/slides/slide2.xml><?xml version="1.0" encoding="utf-8"?>
 <p:sld xmlns:a="http://schemas.openxmlformats.org/drawingml/2006/main" xmlns:r="http://schemas.openxmlformats.org/officeDocument/2006/relationships" xmlns:p="http://schemas.openxmlformats.org/presentationml/2006/main">
   <p:cSld name="Slide 2">
-    <p:bg>
-      <p:bgPr>
-        <a:solidFill>
-          <a:srgbClr val="F1F1F1"/>
-        </a:solidFill>
-      </p:bgPr>
-    </p:bg>
     <p:spTree>
       <p:nvGrpSpPr>
         <p:cNvPr id="1" name=""/>
@@ -15906,13 +15829,6 @@
 <file path=ppt/slides/slide20.xml><?xml version="1.0" encoding="utf-8"?>
 <p:sld xmlns:a="http://schemas.openxmlformats.org/drawingml/2006/main" xmlns:r="http://schemas.openxmlformats.org/officeDocument/2006/relationships" xmlns:p="http://schemas.openxmlformats.org/presentationml/2006/main">
   <p:cSld name="Slide 20">
-    <p:bg>
-      <p:bgPr>
-        <a:solidFill>
-          <a:srgbClr val="F1F1F1"/>
-        </a:solidFill>
-      </p:bgPr>
-    </p:bg>
     <p:spTree>
       <p:nvGrpSpPr>
         <p:cNvPr id="1" name=""/>
@@ -16002,13 +15918,6 @@
 <file path=ppt/slides/slide21.xml><?xml version="1.0" encoding="utf-8"?>
 <p:sld xmlns:a="http://schemas.openxmlformats.org/drawingml/2006/main" xmlns:r="http://schemas.openxmlformats.org/officeDocument/2006/relationships" xmlns:p="http://schemas.openxmlformats.org/presentationml/2006/main">
   <p:cSld name="Slide 21">
-    <p:bg>
-      <p:bgPr>
-        <a:solidFill>
-          <a:srgbClr val="F1F1F1"/>
-        </a:solidFill>
-      </p:bgPr>
-    </p:bg>
     <p:spTree>
       <p:nvGrpSpPr>
         <p:cNvPr id="1" name=""/>
@@ -16098,13 +16007,6 @@
 <file path=ppt/slides/slide22.xml><?xml version="1.0" encoding="utf-8"?>
 <p:sld xmlns:a="http://schemas.openxmlformats.org/drawingml/2006/main" xmlns:r="http://schemas.openxmlformats.org/officeDocument/2006/relationships" xmlns:p="http://schemas.openxmlformats.org/presentationml/2006/main">
   <p:cSld name="Slide 22">
-    <p:bg>
-      <p:bgPr>
-        <a:solidFill>
-          <a:srgbClr val="F1F1F1"/>
-        </a:solidFill>
-      </p:bgPr>
-    </p:bg>
     <p:spTree>
       <p:nvGrpSpPr>
         <p:cNvPr id="1" name=""/>
@@ -16194,13 +16096,6 @@
 <file path=ppt/slides/slide23.xml><?xml version="1.0" encoding="utf-8"?>
 <p:sld xmlns:a="http://schemas.openxmlformats.org/drawingml/2006/main" xmlns:r="http://schemas.openxmlformats.org/officeDocument/2006/relationships" xmlns:p="http://schemas.openxmlformats.org/presentationml/2006/main">
   <p:cSld name="Slide 23">
-    <p:bg>
-      <p:bgPr>
-        <a:solidFill>
-          <a:srgbClr val="F1F1F1"/>
-        </a:solidFill>
-      </p:bgPr>
-    </p:bg>
     <p:spTree>
       <p:nvGrpSpPr>
         <p:cNvPr id="1" name=""/>
@@ -16290,13 +16185,6 @@
 <file path=ppt/slides/slide24.xml><?xml version="1.0" encoding="utf-8"?>
 <p:sld xmlns:a="http://schemas.openxmlformats.org/drawingml/2006/main" xmlns:r="http://schemas.openxmlformats.org/officeDocument/2006/relationships" xmlns:p="http://schemas.openxmlformats.org/presentationml/2006/main">
   <p:cSld name="Slide 24">
-    <p:bg>
-      <p:bgPr>
-        <a:solidFill>
-          <a:srgbClr val="F1F1F1"/>
-        </a:solidFill>
-      </p:bgPr>
-    </p:bg>
     <p:spTree>
       <p:nvGrpSpPr>
         <p:cNvPr id="1" name=""/>
@@ -16386,13 +16274,6 @@
 <file path=ppt/slides/slide25.xml><?xml version="1.0" encoding="utf-8"?>
 <p:sld xmlns:a="http://schemas.openxmlformats.org/drawingml/2006/main" xmlns:r="http://schemas.openxmlformats.org/officeDocument/2006/relationships" xmlns:p="http://schemas.openxmlformats.org/presentationml/2006/main">
   <p:cSld name="Slide 25">
-    <p:bg>
-      <p:bgPr>
-        <a:solidFill>
-          <a:srgbClr val="F1F1F1"/>
-        </a:solidFill>
-      </p:bgPr>
-    </p:bg>
     <p:spTree>
       <p:nvGrpSpPr>
         <p:cNvPr id="1" name=""/>
@@ -16482,13 +16363,6 @@
 <file path=ppt/slides/slide26.xml><?xml version="1.0" encoding="utf-8"?>
 <p:sld xmlns:a="http://schemas.openxmlformats.org/drawingml/2006/main" xmlns:r="http://schemas.openxmlformats.org/officeDocument/2006/relationships" xmlns:p="http://schemas.openxmlformats.org/presentationml/2006/main">
   <p:cSld name="Slide 26">
-    <p:bg>
-      <p:bgPr>
-        <a:solidFill>
-          <a:srgbClr val="F1F1F1"/>
-        </a:solidFill>
-      </p:bgPr>
-    </p:bg>
     <p:spTree>
       <p:nvGrpSpPr>
         <p:cNvPr id="1" name=""/>
@@ -16578,13 +16452,6 @@
 <file path=ppt/slides/slide27.xml><?xml version="1.0" encoding="utf-8"?>
 <p:sld xmlns:a="http://schemas.openxmlformats.org/drawingml/2006/main" xmlns:r="http://schemas.openxmlformats.org/officeDocument/2006/relationships" xmlns:p="http://schemas.openxmlformats.org/presentationml/2006/main">
   <p:cSld name="Slide 27">
-    <p:bg>
-      <p:bgPr>
-        <a:solidFill>
-          <a:srgbClr val="F1F1F1"/>
-        </a:solidFill>
-      </p:bgPr>
-    </p:bg>
     <p:spTree>
       <p:nvGrpSpPr>
         <p:cNvPr id="1" name=""/>
@@ -16674,13 +16541,6 @@
 <file path=ppt/slides/slide28.xml><?xml version="1.0" encoding="utf-8"?>
 <p:sld xmlns:a="http://schemas.openxmlformats.org/drawingml/2006/main" xmlns:r="http://schemas.openxmlformats.org/officeDocument/2006/relationships" xmlns:p="http://schemas.openxmlformats.org/presentationml/2006/main">
   <p:cSld name="Slide 28">
-    <p:bg>
-      <p:bgPr>
-        <a:solidFill>
-          <a:srgbClr val="F1F1F1"/>
-        </a:solidFill>
-      </p:bgPr>
-    </p:bg>
     <p:spTree>
       <p:nvGrpSpPr>
         <p:cNvPr id="1" name=""/>
@@ -16770,13 +16630,6 @@
 <file path=ppt/slides/slide29.xml><?xml version="1.0" encoding="utf-8"?>
 <p:sld xmlns:a="http://schemas.openxmlformats.org/drawingml/2006/main" xmlns:r="http://schemas.openxmlformats.org/officeDocument/2006/relationships" xmlns:p="http://schemas.openxmlformats.org/presentationml/2006/main">
   <p:cSld name="Slide 29">
-    <p:bg>
-      <p:bgPr>
-        <a:solidFill>
-          <a:srgbClr val="F1F1F1"/>
-        </a:solidFill>
-      </p:bgPr>
-    </p:bg>
     <p:spTree>
       <p:nvGrpSpPr>
         <p:cNvPr id="1" name=""/>
@@ -16866,13 +16719,6 @@
 <file path=ppt/slides/slide3.xml><?xml version="1.0" encoding="utf-8"?>
 <p:sld xmlns:a="http://schemas.openxmlformats.org/drawingml/2006/main" xmlns:r="http://schemas.openxmlformats.org/officeDocument/2006/relationships" xmlns:p="http://schemas.openxmlformats.org/presentationml/2006/main">
   <p:cSld name="Slide 3">
-    <p:bg>
-      <p:bgPr>
-        <a:solidFill>
-          <a:srgbClr val="F1F1F1"/>
-        </a:solidFill>
-      </p:bgPr>
-    </p:bg>
     <p:spTree>
       <p:nvGrpSpPr>
         <p:cNvPr id="1" name=""/>
@@ -16962,13 +16808,6 @@
 <file path=ppt/slides/slide30.xml><?xml version="1.0" encoding="utf-8"?>
 <p:sld xmlns:a="http://schemas.openxmlformats.org/drawingml/2006/main" xmlns:r="http://schemas.openxmlformats.org/officeDocument/2006/relationships" xmlns:p="http://schemas.openxmlformats.org/presentationml/2006/main">
   <p:cSld name="Slide 30">
-    <p:bg>
-      <p:bgPr>
-        <a:solidFill>
-          <a:srgbClr val="F1F1F1"/>
-        </a:solidFill>
-      </p:bgPr>
-    </p:bg>
     <p:spTree>
       <p:nvGrpSpPr>
         <p:cNvPr id="1" name=""/>
@@ -17058,13 +16897,6 @@
 <file path=ppt/slides/slide31.xml><?xml version="1.0" encoding="utf-8"?>
 <p:sld xmlns:a="http://schemas.openxmlformats.org/drawingml/2006/main" xmlns:r="http://schemas.openxmlformats.org/officeDocument/2006/relationships" xmlns:p="http://schemas.openxmlformats.org/presentationml/2006/main">
   <p:cSld name="Slide 31">
-    <p:bg>
-      <p:bgPr>
-        <a:solidFill>
-          <a:srgbClr val="F1F1F1"/>
-        </a:solidFill>
-      </p:bgPr>
-    </p:bg>
     <p:spTree>
       <p:nvGrpSpPr>
         <p:cNvPr id="1" name=""/>
@@ -17154,13 +16986,6 @@
 <file path=ppt/slides/slide32.xml><?xml version="1.0" encoding="utf-8"?>
 <p:sld xmlns:a="http://schemas.openxmlformats.org/drawingml/2006/main" xmlns:r="http://schemas.openxmlformats.org/officeDocument/2006/relationships" xmlns:p="http://schemas.openxmlformats.org/presentationml/2006/main">
   <p:cSld name="Slide 32">
-    <p:bg>
-      <p:bgPr>
-        <a:solidFill>
-          <a:srgbClr val="F1F1F1"/>
-        </a:solidFill>
-      </p:bgPr>
-    </p:bg>
     <p:spTree>
       <p:nvGrpSpPr>
         <p:cNvPr id="1" name=""/>
@@ -17250,13 +17075,6 @@
 <file path=ppt/slides/slide33.xml><?xml version="1.0" encoding="utf-8"?>
 <p:sld xmlns:a="http://schemas.openxmlformats.org/drawingml/2006/main" xmlns:r="http://schemas.openxmlformats.org/officeDocument/2006/relationships" xmlns:p="http://schemas.openxmlformats.org/presentationml/2006/main">
   <p:cSld name="Slide 33">
-    <p:bg>
-      <p:bgPr>
-        <a:solidFill>
-          <a:srgbClr val="F1F1F1"/>
-        </a:solidFill>
-      </p:bgPr>
-    </p:bg>
     <p:spTree>
       <p:nvGrpSpPr>
         <p:cNvPr id="1" name=""/>
@@ -17346,13 +17164,6 @@
 <file path=ppt/slides/slide34.xml><?xml version="1.0" encoding="utf-8"?>
 <p:sld xmlns:a="http://schemas.openxmlformats.org/drawingml/2006/main" xmlns:r="http://schemas.openxmlformats.org/officeDocument/2006/relationships" xmlns:p="http://schemas.openxmlformats.org/presentationml/2006/main">
   <p:cSld name="Slide 34">
-    <p:bg>
-      <p:bgPr>
-        <a:solidFill>
-          <a:srgbClr val="F1F1F1"/>
-        </a:solidFill>
-      </p:bgPr>
-    </p:bg>
     <p:spTree>
       <p:nvGrpSpPr>
         <p:cNvPr id="1" name=""/>
@@ -17442,13 +17253,6 @@
 <file path=ppt/slides/slide35.xml><?xml version="1.0" encoding="utf-8"?>
 <p:sld xmlns:a="http://schemas.openxmlformats.org/drawingml/2006/main" xmlns:r="http://schemas.openxmlformats.org/officeDocument/2006/relationships" xmlns:p="http://schemas.openxmlformats.org/presentationml/2006/main">
   <p:cSld name="Slide 35">
-    <p:bg>
-      <p:bgPr>
-        <a:solidFill>
-          <a:srgbClr val="F1F1F1"/>
-        </a:solidFill>
-      </p:bgPr>
-    </p:bg>
     <p:spTree>
       <p:nvGrpSpPr>
         <p:cNvPr id="1" name=""/>
@@ -17538,13 +17342,6 @@
 <file path=ppt/slides/slide36.xml><?xml version="1.0" encoding="utf-8"?>
 <p:sld xmlns:a="http://schemas.openxmlformats.org/drawingml/2006/main" xmlns:r="http://schemas.openxmlformats.org/officeDocument/2006/relationships" xmlns:p="http://schemas.openxmlformats.org/presentationml/2006/main">
   <p:cSld name="Slide 36">
-    <p:bg>
-      <p:bgPr>
-        <a:solidFill>
-          <a:srgbClr val="F1F1F1"/>
-        </a:solidFill>
-      </p:bgPr>
-    </p:bg>
     <p:spTree>
       <p:nvGrpSpPr>
         <p:cNvPr id="1" name=""/>
@@ -17634,13 +17431,6 @@
 <file path=ppt/slides/slide37.xml><?xml version="1.0" encoding="utf-8"?>
 <p:sld xmlns:a="http://schemas.openxmlformats.org/drawingml/2006/main" xmlns:r="http://schemas.openxmlformats.org/officeDocument/2006/relationships" xmlns:p="http://schemas.openxmlformats.org/presentationml/2006/main">
   <p:cSld name="Slide 37">
-    <p:bg>
-      <p:bgPr>
-        <a:solidFill>
-          <a:srgbClr val="F1F1F1"/>
-        </a:solidFill>
-      </p:bgPr>
-    </p:bg>
     <p:spTree>
       <p:nvGrpSpPr>
         <p:cNvPr id="1" name=""/>
@@ -17730,13 +17520,6 @@
 <file path=ppt/slides/slide38.xml><?xml version="1.0" encoding="utf-8"?>
 <p:sld xmlns:a="http://schemas.openxmlformats.org/drawingml/2006/main" xmlns:r="http://schemas.openxmlformats.org/officeDocument/2006/relationships" xmlns:p="http://schemas.openxmlformats.org/presentationml/2006/main">
   <p:cSld name="Slide 38">
-    <p:bg>
-      <p:bgPr>
-        <a:solidFill>
-          <a:srgbClr val="F1F1F1"/>
-        </a:solidFill>
-      </p:bgPr>
-    </p:bg>
     <p:spTree>
       <p:nvGrpSpPr>
         <p:cNvPr id="1" name=""/>
@@ -17826,13 +17609,6 @@
 <file path=ppt/slides/slide4.xml><?xml version="1.0" encoding="utf-8"?>
 <p:sld xmlns:a="http://schemas.openxmlformats.org/drawingml/2006/main" xmlns:r="http://schemas.openxmlformats.org/officeDocument/2006/relationships" xmlns:p="http://schemas.openxmlformats.org/presentationml/2006/main">
   <p:cSld name="Slide 4">
-    <p:bg>
-      <p:bgPr>
-        <a:solidFill>
-          <a:srgbClr val="F1F1F1"/>
-        </a:solidFill>
-      </p:bgPr>
-    </p:bg>
     <p:spTree>
       <p:nvGrpSpPr>
         <p:cNvPr id="1" name=""/>
@@ -17922,13 +17698,6 @@
 <file path=ppt/slides/slide5.xml><?xml version="1.0" encoding="utf-8"?>
 <p:sld xmlns:a="http://schemas.openxmlformats.org/drawingml/2006/main" xmlns:r="http://schemas.openxmlformats.org/officeDocument/2006/relationships" xmlns:p="http://schemas.openxmlformats.org/presentationml/2006/main">
   <p:cSld name="Slide 5">
-    <p:bg>
-      <p:bgPr>
-        <a:solidFill>
-          <a:srgbClr val="F1F1F1"/>
-        </a:solidFill>
-      </p:bgPr>
-    </p:bg>
     <p:spTree>
       <p:nvGrpSpPr>
         <p:cNvPr id="1" name=""/>
@@ -18018,13 +17787,6 @@
 <file path=ppt/slides/slide6.xml><?xml version="1.0" encoding="utf-8"?>
 <p:sld xmlns:a="http://schemas.openxmlformats.org/drawingml/2006/main" xmlns:r="http://schemas.openxmlformats.org/officeDocument/2006/relationships" xmlns:p="http://schemas.openxmlformats.org/presentationml/2006/main">
   <p:cSld name="Slide 6">
-    <p:bg>
-      <p:bgPr>
-        <a:solidFill>
-          <a:srgbClr val="F1F1F1"/>
-        </a:solidFill>
-      </p:bgPr>
-    </p:bg>
     <p:spTree>
       <p:nvGrpSpPr>
         <p:cNvPr id="1" name=""/>
@@ -18114,13 +17876,6 @@
 <file path=ppt/slides/slide7.xml><?xml version="1.0" encoding="utf-8"?>
 <p:sld xmlns:a="http://schemas.openxmlformats.org/drawingml/2006/main" xmlns:r="http://schemas.openxmlformats.org/officeDocument/2006/relationships" xmlns:p="http://schemas.openxmlformats.org/presentationml/2006/main">
   <p:cSld name="Slide 7">
-    <p:bg>
-      <p:bgPr>
-        <a:solidFill>
-          <a:srgbClr val="F1F1F1"/>
-        </a:solidFill>
-      </p:bgPr>
-    </p:bg>
     <p:spTree>
       <p:nvGrpSpPr>
         <p:cNvPr id="1" name=""/>
@@ -18210,13 +17965,6 @@
 <file path=ppt/slides/slide8.xml><?xml version="1.0" encoding="utf-8"?>
 <p:sld xmlns:a="http://schemas.openxmlformats.org/drawingml/2006/main" xmlns:r="http://schemas.openxmlformats.org/officeDocument/2006/relationships" xmlns:p="http://schemas.openxmlformats.org/presentationml/2006/main">
   <p:cSld name="Slide 8">
-    <p:bg>
-      <p:bgPr>
-        <a:solidFill>
-          <a:srgbClr val="F1F1F1"/>
-        </a:solidFill>
-      </p:bgPr>
-    </p:bg>
     <p:spTree>
       <p:nvGrpSpPr>
         <p:cNvPr id="1" name=""/>
@@ -18306,13 +18054,6 @@
 <file path=ppt/slides/slide9.xml><?xml version="1.0" encoding="utf-8"?>
 <p:sld xmlns:a="http://schemas.openxmlformats.org/drawingml/2006/main" xmlns:r="http://schemas.openxmlformats.org/officeDocument/2006/relationships" xmlns:p="http://schemas.openxmlformats.org/presentationml/2006/main">
   <p:cSld name="Slide 9">
-    <p:bg>
-      <p:bgPr>
-        <a:solidFill>
-          <a:srgbClr val="F1F1F1"/>
-        </a:solidFill>
-      </p:bgPr>
-    </p:bg>
     <p:spTree>
       <p:nvGrpSpPr>
         <p:cNvPr id="1" name=""/>
